--- a/official_report/MasterThesis_Report_03_Dfg.pptx
+++ b/official_report/MasterThesis_Report_03_Dfg.pptx
@@ -6747,7 +6747,7 @@
         <p:spPr>
           <a:xfrm>
             <a:off x="7203960" y="6043680"/>
-            <a:ext cx="1775160" cy="810000"/>
+            <a:ext cx="1774800" cy="809640"/>
           </a:xfrm>
           <a:prstGeom prst="rect">
             <a:avLst/>
@@ -6766,7 +6766,7 @@
         <p:spPr>
           <a:xfrm>
             <a:off x="1123920" y="6227640"/>
-            <a:ext cx="4246920" cy="626040"/>
+            <a:ext cx="4246560" cy="625680"/>
           </a:xfrm>
           <a:prstGeom prst="rect">
             <a:avLst/>
@@ -6891,7 +6891,7 @@
         <p:spPr>
           <a:xfrm>
             <a:off x="-2245320" y="5412240"/>
-            <a:ext cx="2028960" cy="1456920"/>
+            <a:ext cx="2028600" cy="1456560"/>
           </a:xfrm>
           <a:prstGeom prst="rect">
             <a:avLst/>
@@ -6960,7 +6960,7 @@
         <p:spPr>
           <a:xfrm>
             <a:off x="-2246400" y="506520"/>
-            <a:ext cx="2062440" cy="4654800"/>
+            <a:ext cx="2062080" cy="4654440"/>
           </a:xfrm>
           <a:prstGeom prst="rect">
             <a:avLst/>
@@ -7139,7 +7139,7 @@
         <p:spPr>
           <a:xfrm>
             <a:off x="9231480" y="506520"/>
-            <a:ext cx="2062440" cy="4959360"/>
+            <a:ext cx="2062080" cy="4959000"/>
           </a:xfrm>
           <a:prstGeom prst="rect">
             <a:avLst/>
@@ -7218,7 +7218,7 @@
             </a:endParaRPr>
           </a:p>
           <a:p>
-            <a:pPr marL="228600" indent="-224280">
+            <a:pPr marL="228600" indent="-223920">
               <a:lnSpc>
                 <a:spcPct val="100000"/>
               </a:lnSpc>
@@ -7273,7 +7273,7 @@
             </a:endParaRPr>
           </a:p>
           <a:p>
-            <a:pPr marL="228600" indent="-224280">
+            <a:pPr marL="228600" indent="-223920">
               <a:lnSpc>
                 <a:spcPct val="100000"/>
               </a:lnSpc>
@@ -7338,7 +7338,7 @@
             </a:endParaRPr>
           </a:p>
           <a:p>
-            <a:pPr marL="228600" indent="-224280">
+            <a:pPr marL="228600" indent="-223920">
               <a:lnSpc>
                 <a:spcPct val="100000"/>
               </a:lnSpc>
@@ -7363,7 +7363,7 @@
             </a:endParaRPr>
           </a:p>
           <a:p>
-            <a:pPr marL="228600" indent="-224280">
+            <a:pPr marL="228600" indent="-223920">
               <a:lnSpc>
                 <a:spcPct val="100000"/>
               </a:lnSpc>
@@ -7448,7 +7448,7 @@
             </a:endParaRPr>
           </a:p>
           <a:p>
-            <a:pPr marL="228600" indent="-224280">
+            <a:pPr marL="228600" indent="-223920">
               <a:lnSpc>
                 <a:spcPct val="100000"/>
               </a:lnSpc>
@@ -7473,7 +7473,7 @@
             </a:endParaRPr>
           </a:p>
           <a:p>
-            <a:pPr marL="228600" indent="-224280">
+            <a:pPr marL="228600" indent="-223920">
               <a:lnSpc>
                 <a:spcPct val="100000"/>
               </a:lnSpc>
@@ -7528,7 +7528,7 @@
             </a:endParaRPr>
           </a:p>
           <a:p>
-            <a:pPr marL="228600" indent="-224280">
+            <a:pPr marL="228600" indent="-223920">
               <a:lnSpc>
                 <a:spcPct val="100000"/>
               </a:lnSpc>
@@ -7583,7 +7583,7 @@
         <p:spPr>
           <a:xfrm>
             <a:off x="0" y="0"/>
-            <a:ext cx="9139680" cy="2308680"/>
+            <a:ext cx="9139320" cy="2308320"/>
           </a:xfrm>
           <a:prstGeom prst="rect">
             <a:avLst/>
@@ -7615,7 +7615,7 @@
         <p:spPr>
           <a:xfrm>
             <a:off x="7203960" y="6043680"/>
-            <a:ext cx="1775160" cy="810000"/>
+            <a:ext cx="1774800" cy="809640"/>
           </a:xfrm>
           <a:prstGeom prst="rect">
             <a:avLst/>
@@ -7634,7 +7634,7 @@
         <p:spPr>
           <a:xfrm>
             <a:off x="-1820880" y="531720"/>
-            <a:ext cx="1637280" cy="1303920"/>
+            <a:ext cx="1636920" cy="1303560"/>
           </a:xfrm>
           <a:prstGeom prst="rect">
             <a:avLst/>
@@ -7673,7 +7673,7 @@
             </a:endParaRPr>
           </a:p>
           <a:p>
-            <a:pPr marL="171360" indent="-167040">
+            <a:pPr marL="171360" indent="-166680">
               <a:lnSpc>
                 <a:spcPct val="100000"/>
               </a:lnSpc>
@@ -7698,7 +7698,7 @@
             </a:endParaRPr>
           </a:p>
           <a:p>
-            <a:pPr marL="171360" indent="-167040">
+            <a:pPr marL="171360" indent="-166680">
               <a:lnSpc>
                 <a:spcPct val="100000"/>
               </a:lnSpc>
@@ -7841,199 +7841,25 @@
               <a:rPr b="0" lang="en-US" sz="4400" spc="-1" strike="noStrike">
                 <a:latin typeface="Arial"/>
               </a:rPr>
-              <a:t>C</a:t>
+              <a:t>Click to </a:t>
             </a:r>
             <a:r>
               <a:rPr b="0" lang="en-US" sz="4400" spc="-1" strike="noStrike">
                 <a:latin typeface="Arial"/>
               </a:rPr>
-              <a:t>l</a:t>
+              <a:t>edit the </a:t>
             </a:r>
             <a:r>
               <a:rPr b="0" lang="en-US" sz="4400" spc="-1" strike="noStrike">
                 <a:latin typeface="Arial"/>
               </a:rPr>
-              <a:t>i</a:t>
+              <a:t>title text </a:t>
             </a:r>
             <a:r>
               <a:rPr b="0" lang="en-US" sz="4400" spc="-1" strike="noStrike">
                 <a:latin typeface="Arial"/>
               </a:rPr>
-              <a:t>c</a:t>
-            </a:r>
-            <a:r>
-              <a:rPr b="0" lang="en-US" sz="4400" spc="-1" strike="noStrike">
-                <a:latin typeface="Arial"/>
-              </a:rPr>
-              <a:t>k</a:t>
-            </a:r>
-            <a:r>
-              <a:rPr b="0" lang="en-US" sz="4400" spc="-1" strike="noStrike">
-                <a:latin typeface="Arial"/>
-              </a:rPr>
-              <a:t> </a:t>
-            </a:r>
-            <a:r>
-              <a:rPr b="0" lang="en-US" sz="4400" spc="-1" strike="noStrike">
-                <a:latin typeface="Arial"/>
-              </a:rPr>
-              <a:t>t</a:t>
-            </a:r>
-            <a:r>
-              <a:rPr b="0" lang="en-US" sz="4400" spc="-1" strike="noStrike">
-                <a:latin typeface="Arial"/>
-              </a:rPr>
-              <a:t>o</a:t>
-            </a:r>
-            <a:r>
-              <a:rPr b="0" lang="en-US" sz="4400" spc="-1" strike="noStrike">
-                <a:latin typeface="Arial"/>
-              </a:rPr>
-              <a:t> </a:t>
-            </a:r>
-            <a:r>
-              <a:rPr b="0" lang="en-US" sz="4400" spc="-1" strike="noStrike">
-                <a:latin typeface="Arial"/>
-              </a:rPr>
-              <a:t>e</a:t>
-            </a:r>
-            <a:r>
-              <a:rPr b="0" lang="en-US" sz="4400" spc="-1" strike="noStrike">
-                <a:latin typeface="Arial"/>
-              </a:rPr>
-              <a:t>d</a:t>
-            </a:r>
-            <a:r>
-              <a:rPr b="0" lang="en-US" sz="4400" spc="-1" strike="noStrike">
-                <a:latin typeface="Arial"/>
-              </a:rPr>
-              <a:t>i</a:t>
-            </a:r>
-            <a:r>
-              <a:rPr b="0" lang="en-US" sz="4400" spc="-1" strike="noStrike">
-                <a:latin typeface="Arial"/>
-              </a:rPr>
-              <a:t>t </a:t>
-            </a:r>
-            <a:r>
-              <a:rPr b="0" lang="en-US" sz="4400" spc="-1" strike="noStrike">
-                <a:latin typeface="Arial"/>
-              </a:rPr>
-              <a:t>t</a:t>
-            </a:r>
-            <a:r>
-              <a:rPr b="0" lang="en-US" sz="4400" spc="-1" strike="noStrike">
-                <a:latin typeface="Arial"/>
-              </a:rPr>
-              <a:t>h</a:t>
-            </a:r>
-            <a:r>
-              <a:rPr b="0" lang="en-US" sz="4400" spc="-1" strike="noStrike">
-                <a:latin typeface="Arial"/>
-              </a:rPr>
-              <a:t>e</a:t>
-            </a:r>
-            <a:r>
-              <a:rPr b="0" lang="en-US" sz="4400" spc="-1" strike="noStrike">
-                <a:latin typeface="Arial"/>
-              </a:rPr>
-              <a:t> </a:t>
-            </a:r>
-            <a:r>
-              <a:rPr b="0" lang="en-US" sz="4400" spc="-1" strike="noStrike">
-                <a:latin typeface="Arial"/>
-              </a:rPr>
-              <a:t>t</a:t>
-            </a:r>
-            <a:r>
-              <a:rPr b="0" lang="en-US" sz="4400" spc="-1" strike="noStrike">
-                <a:latin typeface="Arial"/>
-              </a:rPr>
-              <a:t>i</a:t>
-            </a:r>
-            <a:r>
-              <a:rPr b="0" lang="en-US" sz="4400" spc="-1" strike="noStrike">
-                <a:latin typeface="Arial"/>
-              </a:rPr>
-              <a:t>t</a:t>
-            </a:r>
-            <a:r>
-              <a:rPr b="0" lang="en-US" sz="4400" spc="-1" strike="noStrike">
-                <a:latin typeface="Arial"/>
-              </a:rPr>
-              <a:t>l</a:t>
-            </a:r>
-            <a:r>
-              <a:rPr b="0" lang="en-US" sz="4400" spc="-1" strike="noStrike">
-                <a:latin typeface="Arial"/>
-              </a:rPr>
-              <a:t>e</a:t>
-            </a:r>
-            <a:r>
-              <a:rPr b="0" lang="en-US" sz="4400" spc="-1" strike="noStrike">
-                <a:latin typeface="Arial"/>
-              </a:rPr>
-              <a:t> </a:t>
-            </a:r>
-            <a:r>
-              <a:rPr b="0" lang="en-US" sz="4400" spc="-1" strike="noStrike">
-                <a:latin typeface="Arial"/>
-              </a:rPr>
-              <a:t>t</a:t>
-            </a:r>
-            <a:r>
-              <a:rPr b="0" lang="en-US" sz="4400" spc="-1" strike="noStrike">
-                <a:latin typeface="Arial"/>
-              </a:rPr>
-              <a:t>e</a:t>
-            </a:r>
-            <a:r>
-              <a:rPr b="0" lang="en-US" sz="4400" spc="-1" strike="noStrike">
-                <a:latin typeface="Arial"/>
-              </a:rPr>
-              <a:t>x</a:t>
-            </a:r>
-            <a:r>
-              <a:rPr b="0" lang="en-US" sz="4400" spc="-1" strike="noStrike">
-                <a:latin typeface="Arial"/>
-              </a:rPr>
-              <a:t>t </a:t>
-            </a:r>
-            <a:r>
-              <a:rPr b="0" lang="en-US" sz="4400" spc="-1" strike="noStrike">
-                <a:latin typeface="Arial"/>
-              </a:rPr>
-              <a:t>f</a:t>
-            </a:r>
-            <a:r>
-              <a:rPr b="0" lang="en-US" sz="4400" spc="-1" strike="noStrike">
-                <a:latin typeface="Arial"/>
-              </a:rPr>
-              <a:t>o</a:t>
-            </a:r>
-            <a:r>
-              <a:rPr b="0" lang="en-US" sz="4400" spc="-1" strike="noStrike">
-                <a:latin typeface="Arial"/>
-              </a:rPr>
-              <a:t>r</a:t>
-            </a:r>
-            <a:r>
-              <a:rPr b="0" lang="en-US" sz="4400" spc="-1" strike="noStrike">
-                <a:latin typeface="Arial"/>
-              </a:rPr>
-              <a:t>m</a:t>
-            </a:r>
-            <a:r>
-              <a:rPr b="0" lang="en-US" sz="4400" spc="-1" strike="noStrike">
-                <a:latin typeface="Arial"/>
-              </a:rPr>
-              <a:t>a</a:t>
-            </a:r>
-            <a:r>
-              <a:rPr b="0" lang="en-US" sz="4400" spc="-1" strike="noStrike">
-                <a:latin typeface="Arial"/>
-              </a:rPr>
-              <a:t>t</a:t>
+              <a:t>format</a:t>
             </a:r>
             <a:endParaRPr b="0" lang="en-US" sz="4400" spc="-1" strike="noStrike">
               <a:latin typeface="Arial"/>
@@ -8277,7 +8103,7 @@
         <p:spPr>
           <a:xfrm>
             <a:off x="5229720" y="5943600"/>
-            <a:ext cx="3910320" cy="910440"/>
+            <a:ext cx="3909960" cy="910080"/>
           </a:xfrm>
           <a:prstGeom prst="rect">
             <a:avLst/>
@@ -8295,8 +8121,8 @@
         </p:nvSpPr>
         <p:spPr>
           <a:xfrm rot="21598800">
-            <a:off x="1188720" y="6036840"/>
-            <a:ext cx="2739240" cy="453240"/>
+            <a:off x="1188720" y="6036480"/>
+            <a:ext cx="2738880" cy="452880"/>
           </a:xfrm>
           <a:prstGeom prst="rect">
             <a:avLst/>
@@ -8441,7 +8267,7 @@
         <p:spPr>
           <a:xfrm>
             <a:off x="-2245320" y="5412240"/>
-            <a:ext cx="2028960" cy="1456920"/>
+            <a:ext cx="2028600" cy="1456560"/>
           </a:xfrm>
           <a:prstGeom prst="rect">
             <a:avLst/>
@@ -8510,7 +8336,7 @@
         <p:spPr>
           <a:xfrm>
             <a:off x="-2246400" y="506520"/>
-            <a:ext cx="2062440" cy="4654800"/>
+            <a:ext cx="2062080" cy="4654440"/>
           </a:xfrm>
           <a:prstGeom prst="rect">
             <a:avLst/>
@@ -8689,7 +8515,7 @@
         <p:spPr>
           <a:xfrm>
             <a:off x="9231480" y="506520"/>
-            <a:ext cx="2062440" cy="4959360"/>
+            <a:ext cx="2062080" cy="4959000"/>
           </a:xfrm>
           <a:prstGeom prst="rect">
             <a:avLst/>
@@ -8768,7 +8594,7 @@
             </a:endParaRPr>
           </a:p>
           <a:p>
-            <a:pPr marL="228600" indent="-224280">
+            <a:pPr marL="228600" indent="-223920">
               <a:lnSpc>
                 <a:spcPct val="100000"/>
               </a:lnSpc>
@@ -8823,7 +8649,7 @@
             </a:endParaRPr>
           </a:p>
           <a:p>
-            <a:pPr marL="228600" indent="-224280">
+            <a:pPr marL="228600" indent="-223920">
               <a:lnSpc>
                 <a:spcPct val="100000"/>
               </a:lnSpc>
@@ -8888,7 +8714,7 @@
             </a:endParaRPr>
           </a:p>
           <a:p>
-            <a:pPr marL="228600" indent="-224280">
+            <a:pPr marL="228600" indent="-223920">
               <a:lnSpc>
                 <a:spcPct val="100000"/>
               </a:lnSpc>
@@ -8913,7 +8739,7 @@
             </a:endParaRPr>
           </a:p>
           <a:p>
-            <a:pPr marL="228600" indent="-224280">
+            <a:pPr marL="228600" indent="-223920">
               <a:lnSpc>
                 <a:spcPct val="100000"/>
               </a:lnSpc>
@@ -8998,7 +8824,7 @@
             </a:endParaRPr>
           </a:p>
           <a:p>
-            <a:pPr marL="228600" indent="-224280">
+            <a:pPr marL="228600" indent="-223920">
               <a:lnSpc>
                 <a:spcPct val="100000"/>
               </a:lnSpc>
@@ -9023,7 +8849,7 @@
             </a:endParaRPr>
           </a:p>
           <a:p>
-            <a:pPr marL="228600" indent="-224280">
+            <a:pPr marL="228600" indent="-223920">
               <a:lnSpc>
                 <a:spcPct val="100000"/>
               </a:lnSpc>
@@ -9078,7 +8904,7 @@
             </a:endParaRPr>
           </a:p>
           <a:p>
-            <a:pPr marL="228600" indent="-224280">
+            <a:pPr marL="228600" indent="-223920">
               <a:lnSpc>
                 <a:spcPct val="100000"/>
               </a:lnSpc>
@@ -9395,7 +9221,7 @@
         <p:spPr>
           <a:xfrm>
             <a:off x="5229720" y="5943600"/>
-            <a:ext cx="3910320" cy="910440"/>
+            <a:ext cx="3909960" cy="910080"/>
           </a:xfrm>
           <a:prstGeom prst="rect">
             <a:avLst/>
@@ -9413,8 +9239,8 @@
         </p:nvSpPr>
         <p:spPr>
           <a:xfrm rot="21598800">
-            <a:off x="1188720" y="6036840"/>
-            <a:ext cx="2739240" cy="453240"/>
+            <a:off x="1188720" y="6036480"/>
+            <a:ext cx="2738880" cy="452880"/>
           </a:xfrm>
           <a:prstGeom prst="rect">
             <a:avLst/>
@@ -9559,7 +9385,7 @@
         <p:spPr>
           <a:xfrm>
             <a:off x="-2245320" y="5412240"/>
-            <a:ext cx="2028960" cy="1456920"/>
+            <a:ext cx="2028600" cy="1456560"/>
           </a:xfrm>
           <a:prstGeom prst="rect">
             <a:avLst/>
@@ -9628,7 +9454,7 @@
         <p:spPr>
           <a:xfrm>
             <a:off x="-2246400" y="506520"/>
-            <a:ext cx="2062440" cy="4654800"/>
+            <a:ext cx="2062080" cy="4654440"/>
           </a:xfrm>
           <a:prstGeom prst="rect">
             <a:avLst/>
@@ -9807,7 +9633,7 @@
         <p:spPr>
           <a:xfrm>
             <a:off x="9231480" y="506520"/>
-            <a:ext cx="2062440" cy="4959360"/>
+            <a:ext cx="2062080" cy="4959000"/>
           </a:xfrm>
           <a:prstGeom prst="rect">
             <a:avLst/>
@@ -9886,7 +9712,7 @@
             </a:endParaRPr>
           </a:p>
           <a:p>
-            <a:pPr marL="228600" indent="-224280">
+            <a:pPr marL="228600" indent="-223920">
               <a:lnSpc>
                 <a:spcPct val="100000"/>
               </a:lnSpc>
@@ -9941,7 +9767,7 @@
             </a:endParaRPr>
           </a:p>
           <a:p>
-            <a:pPr marL="228600" indent="-224280">
+            <a:pPr marL="228600" indent="-223920">
               <a:lnSpc>
                 <a:spcPct val="100000"/>
               </a:lnSpc>
@@ -10006,7 +9832,7 @@
             </a:endParaRPr>
           </a:p>
           <a:p>
-            <a:pPr marL="228600" indent="-224280">
+            <a:pPr marL="228600" indent="-223920">
               <a:lnSpc>
                 <a:spcPct val="100000"/>
               </a:lnSpc>
@@ -10031,7 +9857,7 @@
             </a:endParaRPr>
           </a:p>
           <a:p>
-            <a:pPr marL="228600" indent="-224280">
+            <a:pPr marL="228600" indent="-223920">
               <a:lnSpc>
                 <a:spcPct val="100000"/>
               </a:lnSpc>
@@ -10116,7 +9942,7 @@
             </a:endParaRPr>
           </a:p>
           <a:p>
-            <a:pPr marL="228600" indent="-224280">
+            <a:pPr marL="228600" indent="-223920">
               <a:lnSpc>
                 <a:spcPct val="100000"/>
               </a:lnSpc>
@@ -10141,7 +9967,7 @@
             </a:endParaRPr>
           </a:p>
           <a:p>
-            <a:pPr marL="228600" indent="-224280">
+            <a:pPr marL="228600" indent="-223920">
               <a:lnSpc>
                 <a:spcPct val="100000"/>
               </a:lnSpc>
@@ -10196,7 +10022,7 @@
             </a:endParaRPr>
           </a:p>
           <a:p>
-            <a:pPr marL="228600" indent="-224280">
+            <a:pPr marL="228600" indent="-223920">
               <a:lnSpc>
                 <a:spcPct val="100000"/>
               </a:lnSpc>
@@ -10289,7 +10115,7 @@
         <p:spPr>
           <a:xfrm>
             <a:off x="457200" y="1604520"/>
-            <a:ext cx="8229240" cy="3977280"/>
+            <a:ext cx="8228880" cy="3976920"/>
           </a:xfrm>
           <a:prstGeom prst="rect">
             <a:avLst/>
@@ -10312,12 +10138,12 @@
               <a:buChar char=""/>
             </a:pPr>
             <a:r>
-              <a:rPr b="0" lang="en-US" sz="3200" spc="-1" strike="noStrike">
+              <a:rPr b="0" lang="en-US" sz="1800" spc="-1" strike="noStrike">
                 <a:latin typeface="Arial"/>
               </a:rPr>
               <a:t>Click to edit the outline text format</a:t>
             </a:r>
-            <a:endParaRPr b="0" lang="en-US" sz="3200" spc="-1" strike="noStrike">
+            <a:endParaRPr b="0" lang="en-US" sz="1800" spc="-1" strike="noStrike">
               <a:latin typeface="Arial"/>
             </a:endParaRPr>
           </a:p>
@@ -10334,12 +10160,12 @@
               <a:buChar char=""/>
             </a:pPr>
             <a:r>
-              <a:rPr b="0" lang="en-US" sz="2800" spc="-1" strike="noStrike">
+              <a:rPr b="0" lang="en-US" sz="1800" spc="-1" strike="noStrike">
                 <a:latin typeface="Arial"/>
               </a:rPr>
               <a:t>Second Outline Level</a:t>
             </a:r>
-            <a:endParaRPr b="0" lang="en-US" sz="2800" spc="-1" strike="noStrike">
+            <a:endParaRPr b="0" lang="en-US" sz="1800" spc="-1" strike="noStrike">
               <a:latin typeface="Arial"/>
             </a:endParaRPr>
           </a:p>
@@ -10356,12 +10182,12 @@
               <a:buChar char=""/>
             </a:pPr>
             <a:r>
-              <a:rPr b="0" lang="en-US" sz="2400" spc="-1" strike="noStrike">
+              <a:rPr b="0" lang="en-US" sz="1800" spc="-1" strike="noStrike">
                 <a:latin typeface="Arial"/>
               </a:rPr>
               <a:t>Third Outline Level</a:t>
             </a:r>
-            <a:endParaRPr b="0" lang="en-US" sz="2400" spc="-1" strike="noStrike">
+            <a:endParaRPr b="0" lang="en-US" sz="1800" spc="-1" strike="noStrike">
               <a:latin typeface="Arial"/>
             </a:endParaRPr>
           </a:p>
@@ -10378,12 +10204,12 @@
               <a:buChar char=""/>
             </a:pPr>
             <a:r>
-              <a:rPr b="0" lang="en-US" sz="2000" spc="-1" strike="noStrike">
+              <a:rPr b="0" lang="en-US" sz="1800" spc="-1" strike="noStrike">
                 <a:latin typeface="Arial"/>
               </a:rPr>
               <a:t>Fourth Outline Level</a:t>
             </a:r>
-            <a:endParaRPr b="0" lang="en-US" sz="2000" spc="-1" strike="noStrike">
+            <a:endParaRPr b="0" lang="en-US" sz="1800" spc="-1" strike="noStrike">
               <a:latin typeface="Arial"/>
             </a:endParaRPr>
           </a:p>
@@ -10400,12 +10226,12 @@
               <a:buChar char=""/>
             </a:pPr>
             <a:r>
-              <a:rPr b="0" lang="en-US" sz="2000" spc="-1" strike="noStrike">
+              <a:rPr b="0" lang="en-US" sz="1800" spc="-1" strike="noStrike">
                 <a:latin typeface="Arial"/>
               </a:rPr>
               <a:t>Fifth Outline Level</a:t>
             </a:r>
-            <a:endParaRPr b="0" lang="en-US" sz="2000" spc="-1" strike="noStrike">
+            <a:endParaRPr b="0" lang="en-US" sz="1800" spc="-1" strike="noStrike">
               <a:latin typeface="Arial"/>
             </a:endParaRPr>
           </a:p>
@@ -10422,12 +10248,12 @@
               <a:buChar char=""/>
             </a:pPr>
             <a:r>
-              <a:rPr b="0" lang="en-US" sz="2000" spc="-1" strike="noStrike">
+              <a:rPr b="0" lang="en-US" sz="1800" spc="-1" strike="noStrike">
                 <a:latin typeface="Arial"/>
               </a:rPr>
               <a:t>Sixth Outline Level</a:t>
             </a:r>
-            <a:endParaRPr b="0" lang="en-US" sz="2000" spc="-1" strike="noStrike">
+            <a:endParaRPr b="0" lang="en-US" sz="1800" spc="-1" strike="noStrike">
               <a:latin typeface="Arial"/>
             </a:endParaRPr>
           </a:p>
@@ -10444,12 +10270,12 @@
               <a:buChar char=""/>
             </a:pPr>
             <a:r>
-              <a:rPr b="0" lang="en-US" sz="2000" spc="-1" strike="noStrike">
+              <a:rPr b="0" lang="en-US" sz="1800" spc="-1" strike="noStrike">
                 <a:latin typeface="Arial"/>
               </a:rPr>
               <a:t>Seventh Outline Level</a:t>
             </a:r>
-            <a:endParaRPr b="0" lang="en-US" sz="2000" spc="-1" strike="noStrike">
+            <a:endParaRPr b="0" lang="en-US" sz="1800" spc="-1" strike="noStrike">
               <a:latin typeface="Arial"/>
             </a:endParaRPr>
           </a:p>
@@ -10512,7 +10338,7 @@
         <p:spPr>
           <a:xfrm>
             <a:off x="5229720" y="5943600"/>
-            <a:ext cx="3910320" cy="910440"/>
+            <a:ext cx="3909960" cy="910080"/>
           </a:xfrm>
           <a:prstGeom prst="rect">
             <a:avLst/>
@@ -10530,8 +10356,8 @@
         </p:nvSpPr>
         <p:spPr>
           <a:xfrm rot="21598800">
-            <a:off x="1188720" y="6036840"/>
-            <a:ext cx="2739240" cy="453240"/>
+            <a:off x="1188720" y="6036480"/>
+            <a:ext cx="2738880" cy="452880"/>
           </a:xfrm>
           <a:prstGeom prst="rect">
             <a:avLst/>
@@ -10676,7 +10502,7 @@
         <p:spPr>
           <a:xfrm>
             <a:off x="-2245320" y="5412240"/>
-            <a:ext cx="2028960" cy="1456920"/>
+            <a:ext cx="2028600" cy="1456560"/>
           </a:xfrm>
           <a:prstGeom prst="rect">
             <a:avLst/>
@@ -10745,7 +10571,7 @@
         <p:spPr>
           <a:xfrm>
             <a:off x="-2246400" y="506520"/>
-            <a:ext cx="2062440" cy="4654800"/>
+            <a:ext cx="2062080" cy="4654440"/>
           </a:xfrm>
           <a:prstGeom prst="rect">
             <a:avLst/>
@@ -10924,7 +10750,7 @@
         <p:spPr>
           <a:xfrm>
             <a:off x="9231480" y="506520"/>
-            <a:ext cx="2062440" cy="4959360"/>
+            <a:ext cx="2062080" cy="4959000"/>
           </a:xfrm>
           <a:prstGeom prst="rect">
             <a:avLst/>
@@ -11003,7 +10829,7 @@
             </a:endParaRPr>
           </a:p>
           <a:p>
-            <a:pPr marL="228600" indent="-224280">
+            <a:pPr marL="228600" indent="-223920">
               <a:lnSpc>
                 <a:spcPct val="100000"/>
               </a:lnSpc>
@@ -11058,7 +10884,7 @@
             </a:endParaRPr>
           </a:p>
           <a:p>
-            <a:pPr marL="228600" indent="-224280">
+            <a:pPr marL="228600" indent="-223920">
               <a:lnSpc>
                 <a:spcPct val="100000"/>
               </a:lnSpc>
@@ -11123,7 +10949,7 @@
             </a:endParaRPr>
           </a:p>
           <a:p>
-            <a:pPr marL="228600" indent="-224280">
+            <a:pPr marL="228600" indent="-223920">
               <a:lnSpc>
                 <a:spcPct val="100000"/>
               </a:lnSpc>
@@ -11148,7 +10974,7 @@
             </a:endParaRPr>
           </a:p>
           <a:p>
-            <a:pPr marL="228600" indent="-224280">
+            <a:pPr marL="228600" indent="-223920">
               <a:lnSpc>
                 <a:spcPct val="100000"/>
               </a:lnSpc>
@@ -11233,7 +11059,7 @@
             </a:endParaRPr>
           </a:p>
           <a:p>
-            <a:pPr marL="228600" indent="-224280">
+            <a:pPr marL="228600" indent="-223920">
               <a:lnSpc>
                 <a:spcPct val="100000"/>
               </a:lnSpc>
@@ -11258,7 +11084,7 @@
             </a:endParaRPr>
           </a:p>
           <a:p>
-            <a:pPr marL="228600" indent="-224280">
+            <a:pPr marL="228600" indent="-223920">
               <a:lnSpc>
                 <a:spcPct val="100000"/>
               </a:lnSpc>
@@ -11313,7 +11139,7 @@
             </a:endParaRPr>
           </a:p>
           <a:p>
-            <a:pPr marL="228600" indent="-224280">
+            <a:pPr marL="228600" indent="-223920">
               <a:lnSpc>
                 <a:spcPct val="100000"/>
               </a:lnSpc>
@@ -11372,7 +11198,7 @@
         <p:spPr>
           <a:xfrm>
             <a:off x="457200" y="273600"/>
-            <a:ext cx="8228880" cy="1144440"/>
+            <a:ext cx="8229240" cy="1144800"/>
           </a:xfrm>
           <a:prstGeom prst="rect">
             <a:avLst/>
@@ -11381,13 +11207,14 @@
         <p:txBody>
           <a:bodyPr lIns="0" rIns="0" tIns="0" bIns="0" anchor="ctr"/>
           <a:p>
-            <a:r>
-              <a:rPr b="0" lang="en-US" sz="1800" spc="-1" strike="noStrike">
+            <a:pPr algn="ctr"/>
+            <a:r>
+              <a:rPr b="0" lang="en-US" sz="4400" spc="-1" strike="noStrike">
                 <a:latin typeface="Arial"/>
               </a:rPr>
               <a:t>Click to edit the title text format</a:t>
             </a:r>
-            <a:endParaRPr b="0" lang="en-US" sz="1800" spc="-1" strike="noStrike">
+            <a:endParaRPr b="0" lang="en-US" sz="4400" spc="-1" strike="noStrike">
               <a:latin typeface="Arial"/>
             </a:endParaRPr>
           </a:p>
@@ -11406,7 +11233,7 @@
         <p:spPr>
           <a:xfrm>
             <a:off x="457200" y="1604520"/>
-            <a:ext cx="8228880" cy="3976920"/>
+            <a:ext cx="8229240" cy="3977280"/>
           </a:xfrm>
           <a:prstGeom prst="rect">
             <a:avLst/>
@@ -11429,12 +11256,12 @@
               <a:buChar char=""/>
             </a:pPr>
             <a:r>
-              <a:rPr b="0" lang="en-US" sz="1800" spc="-1" strike="noStrike">
+              <a:rPr b="0" lang="en-US" sz="3200" spc="-1" strike="noStrike">
                 <a:latin typeface="Arial"/>
               </a:rPr>
               <a:t>Click to edit the outline text format</a:t>
             </a:r>
-            <a:endParaRPr b="0" lang="en-US" sz="1800" spc="-1" strike="noStrike">
+            <a:endParaRPr b="0" lang="en-US" sz="3200" spc="-1" strike="noStrike">
               <a:latin typeface="Arial"/>
             </a:endParaRPr>
           </a:p>
@@ -11451,12 +11278,12 @@
               <a:buChar char=""/>
             </a:pPr>
             <a:r>
-              <a:rPr b="0" lang="en-US" sz="1800" spc="-1" strike="noStrike">
+              <a:rPr b="0" lang="en-US" sz="2800" spc="-1" strike="noStrike">
                 <a:latin typeface="Arial"/>
               </a:rPr>
               <a:t>Second Outline Level</a:t>
             </a:r>
-            <a:endParaRPr b="0" lang="en-US" sz="1800" spc="-1" strike="noStrike">
+            <a:endParaRPr b="0" lang="en-US" sz="2800" spc="-1" strike="noStrike">
               <a:latin typeface="Arial"/>
             </a:endParaRPr>
           </a:p>
@@ -11473,12 +11300,12 @@
               <a:buChar char=""/>
             </a:pPr>
             <a:r>
-              <a:rPr b="0" lang="en-US" sz="1800" spc="-1" strike="noStrike">
+              <a:rPr b="0" lang="en-US" sz="2400" spc="-1" strike="noStrike">
                 <a:latin typeface="Arial"/>
               </a:rPr>
               <a:t>Third Outline Level</a:t>
             </a:r>
-            <a:endParaRPr b="0" lang="en-US" sz="1800" spc="-1" strike="noStrike">
+            <a:endParaRPr b="0" lang="en-US" sz="2400" spc="-1" strike="noStrike">
               <a:latin typeface="Arial"/>
             </a:endParaRPr>
           </a:p>
@@ -11495,12 +11322,12 @@
               <a:buChar char=""/>
             </a:pPr>
             <a:r>
-              <a:rPr b="0" lang="en-US" sz="1800" spc="-1" strike="noStrike">
+              <a:rPr b="0" lang="en-US" sz="2000" spc="-1" strike="noStrike">
                 <a:latin typeface="Arial"/>
               </a:rPr>
               <a:t>Fourth Outline Level</a:t>
             </a:r>
-            <a:endParaRPr b="0" lang="en-US" sz="1800" spc="-1" strike="noStrike">
+            <a:endParaRPr b="0" lang="en-US" sz="2000" spc="-1" strike="noStrike">
               <a:latin typeface="Arial"/>
             </a:endParaRPr>
           </a:p>
@@ -11517,12 +11344,12 @@
               <a:buChar char=""/>
             </a:pPr>
             <a:r>
-              <a:rPr b="0" lang="en-US" sz="1800" spc="-1" strike="noStrike">
+              <a:rPr b="0" lang="en-US" sz="2000" spc="-1" strike="noStrike">
                 <a:latin typeface="Arial"/>
               </a:rPr>
               <a:t>Fifth Outline Level</a:t>
             </a:r>
-            <a:endParaRPr b="0" lang="en-US" sz="1800" spc="-1" strike="noStrike">
+            <a:endParaRPr b="0" lang="en-US" sz="2000" spc="-1" strike="noStrike">
               <a:latin typeface="Arial"/>
             </a:endParaRPr>
           </a:p>
@@ -11539,12 +11366,12 @@
               <a:buChar char=""/>
             </a:pPr>
             <a:r>
-              <a:rPr b="0" lang="en-US" sz="1800" spc="-1" strike="noStrike">
+              <a:rPr b="0" lang="en-US" sz="2000" spc="-1" strike="noStrike">
                 <a:latin typeface="Arial"/>
               </a:rPr>
               <a:t>Sixth Outline Level</a:t>
             </a:r>
-            <a:endParaRPr b="0" lang="en-US" sz="1800" spc="-1" strike="noStrike">
+            <a:endParaRPr b="0" lang="en-US" sz="2000" spc="-1" strike="noStrike">
               <a:latin typeface="Arial"/>
             </a:endParaRPr>
           </a:p>
@@ -11561,12 +11388,12 @@
               <a:buChar char=""/>
             </a:pPr>
             <a:r>
-              <a:rPr b="0" lang="en-US" sz="1800" spc="-1" strike="noStrike">
+              <a:rPr b="0" lang="en-US" sz="2000" spc="-1" strike="noStrike">
                 <a:latin typeface="Arial"/>
               </a:rPr>
               <a:t>Seventh Outline Level</a:t>
             </a:r>
-            <a:endParaRPr b="0" lang="en-US" sz="1800" spc="-1" strike="noStrike">
+            <a:endParaRPr b="0" lang="en-US" sz="2000" spc="-1" strike="noStrike">
               <a:latin typeface="Arial"/>
             </a:endParaRPr>
           </a:p>
@@ -11629,7 +11456,7 @@
         <p:spPr>
           <a:xfrm>
             <a:off x="7203960" y="6043680"/>
-            <a:ext cx="1775160" cy="810000"/>
+            <a:ext cx="1774800" cy="809640"/>
           </a:xfrm>
           <a:prstGeom prst="rect">
             <a:avLst/>
@@ -11648,7 +11475,7 @@
         <p:spPr>
           <a:xfrm>
             <a:off x="1123920" y="6227640"/>
-            <a:ext cx="4246920" cy="626040"/>
+            <a:ext cx="4246560" cy="625680"/>
           </a:xfrm>
           <a:prstGeom prst="rect">
             <a:avLst/>
@@ -11773,7 +11600,7 @@
         <p:spPr>
           <a:xfrm>
             <a:off x="-2245320" y="5412240"/>
-            <a:ext cx="2028960" cy="1456920"/>
+            <a:ext cx="2028600" cy="1456560"/>
           </a:xfrm>
           <a:prstGeom prst="rect">
             <a:avLst/>
@@ -11842,7 +11669,7 @@
         <p:spPr>
           <a:xfrm>
             <a:off x="-2246400" y="506520"/>
-            <a:ext cx="2062440" cy="4654800"/>
+            <a:ext cx="2062080" cy="4654440"/>
           </a:xfrm>
           <a:prstGeom prst="rect">
             <a:avLst/>
@@ -12021,7 +11848,7 @@
         <p:spPr>
           <a:xfrm>
             <a:off x="9231480" y="506520"/>
-            <a:ext cx="2062440" cy="4959360"/>
+            <a:ext cx="2062080" cy="4959000"/>
           </a:xfrm>
           <a:prstGeom prst="rect">
             <a:avLst/>
@@ -12100,7 +11927,7 @@
             </a:endParaRPr>
           </a:p>
           <a:p>
-            <a:pPr marL="228600" indent="-224280">
+            <a:pPr marL="228600" indent="-223920">
               <a:lnSpc>
                 <a:spcPct val="100000"/>
               </a:lnSpc>
@@ -12155,7 +11982,7 @@
             </a:endParaRPr>
           </a:p>
           <a:p>
-            <a:pPr marL="228600" indent="-224280">
+            <a:pPr marL="228600" indent="-223920">
               <a:lnSpc>
                 <a:spcPct val="100000"/>
               </a:lnSpc>
@@ -12220,7 +12047,7 @@
             </a:endParaRPr>
           </a:p>
           <a:p>
-            <a:pPr marL="228600" indent="-224280">
+            <a:pPr marL="228600" indent="-223920">
               <a:lnSpc>
                 <a:spcPct val="100000"/>
               </a:lnSpc>
@@ -12245,7 +12072,7 @@
             </a:endParaRPr>
           </a:p>
           <a:p>
-            <a:pPr marL="228600" indent="-224280">
+            <a:pPr marL="228600" indent="-223920">
               <a:lnSpc>
                 <a:spcPct val="100000"/>
               </a:lnSpc>
@@ -12330,7 +12157,7 @@
             </a:endParaRPr>
           </a:p>
           <a:p>
-            <a:pPr marL="228600" indent="-224280">
+            <a:pPr marL="228600" indent="-223920">
               <a:lnSpc>
                 <a:spcPct val="100000"/>
               </a:lnSpc>
@@ -12355,7 +12182,7 @@
             </a:endParaRPr>
           </a:p>
           <a:p>
-            <a:pPr marL="228600" indent="-224280">
+            <a:pPr marL="228600" indent="-223920">
               <a:lnSpc>
                 <a:spcPct val="100000"/>
               </a:lnSpc>
@@ -12410,7 +12237,7 @@
             </a:endParaRPr>
           </a:p>
           <a:p>
-            <a:pPr marL="228600" indent="-224280">
+            <a:pPr marL="228600" indent="-223920">
               <a:lnSpc>
                 <a:spcPct val="100000"/>
               </a:lnSpc>
@@ -12465,7 +12292,7 @@
         <p:spPr>
           <a:xfrm>
             <a:off x="0" y="0"/>
-            <a:ext cx="9139680" cy="2308680"/>
+            <a:ext cx="9139320" cy="2308320"/>
           </a:xfrm>
           <a:prstGeom prst="rect">
             <a:avLst/>
@@ -12497,7 +12324,7 @@
         <p:spPr>
           <a:xfrm>
             <a:off x="7203960" y="6043680"/>
-            <a:ext cx="1775160" cy="810000"/>
+            <a:ext cx="1774800" cy="809640"/>
           </a:xfrm>
           <a:prstGeom prst="rect">
             <a:avLst/>
@@ -12516,7 +12343,7 @@
         <p:spPr>
           <a:xfrm>
             <a:off x="-1820880" y="531720"/>
-            <a:ext cx="1637280" cy="1303920"/>
+            <a:ext cx="1636920" cy="1303560"/>
           </a:xfrm>
           <a:prstGeom prst="rect">
             <a:avLst/>
@@ -12555,7 +12382,7 @@
             </a:endParaRPr>
           </a:p>
           <a:p>
-            <a:pPr marL="171360" indent="-167040">
+            <a:pPr marL="171360" indent="-166680">
               <a:lnSpc>
                 <a:spcPct val="100000"/>
               </a:lnSpc>
@@ -12580,7 +12407,7 @@
             </a:endParaRPr>
           </a:p>
           <a:p>
-            <a:pPr marL="171360" indent="-167040">
+            <a:pPr marL="171360" indent="-166680">
               <a:lnSpc>
                 <a:spcPct val="100000"/>
               </a:lnSpc>
@@ -12956,7 +12783,7 @@
         <p:spPr>
           <a:xfrm>
             <a:off x="300600" y="2761920"/>
-            <a:ext cx="8565120" cy="800280"/>
+            <a:ext cx="8564760" cy="799920"/>
           </a:xfrm>
           <a:prstGeom prst="rect">
             <a:avLst/>
@@ -13041,7 +12868,7 @@
         <p:spPr>
           <a:xfrm>
             <a:off x="457200" y="3474720"/>
-            <a:ext cx="8317080" cy="2281680"/>
+            <a:ext cx="8316720" cy="2281320"/>
           </a:xfrm>
           <a:prstGeom prst="rect">
             <a:avLst/>
@@ -13228,7 +13055,7 @@
         <p:spPr>
           <a:xfrm>
             <a:off x="5478840" y="6054480"/>
-            <a:ext cx="3373920" cy="799200"/>
+            <a:ext cx="3373560" cy="798840"/>
           </a:xfrm>
           <a:prstGeom prst="rect">
             <a:avLst/>
@@ -13300,7 +13127,7 @@
         <p:spPr>
           <a:xfrm>
             <a:off x="4207680" y="5303520"/>
-            <a:ext cx="2740680" cy="1463760"/>
+            <a:ext cx="2740320" cy="1463400"/>
           </a:xfrm>
           <a:prstGeom prst="rect">
             <a:avLst/>
@@ -13319,7 +13146,7 @@
         <p:spPr>
           <a:xfrm>
             <a:off x="365760" y="274320"/>
-            <a:ext cx="8317080" cy="815040"/>
+            <a:ext cx="8316720" cy="814680"/>
           </a:xfrm>
           <a:prstGeom prst="rect">
             <a:avLst/>
@@ -13372,7 +13199,7 @@
         <p:spPr>
           <a:xfrm>
             <a:off x="4206240" y="3088440"/>
-            <a:ext cx="4935960" cy="933120"/>
+            <a:ext cx="4935600" cy="932760"/>
           </a:xfrm>
           <a:prstGeom prst="rect">
             <a:avLst/>
@@ -13391,7 +13218,7 @@
         <p:spPr>
           <a:xfrm>
             <a:off x="457200" y="1005840"/>
-            <a:ext cx="8134200" cy="4404960"/>
+            <a:ext cx="8133840" cy="4404600"/>
           </a:xfrm>
           <a:prstGeom prst="rect">
             <a:avLst/>
@@ -13410,7 +13237,7 @@
         <p:txBody>
           <a:bodyPr lIns="90000" rIns="90000" tIns="45000" bIns="45000"/>
           <a:p>
-            <a:pPr marL="216000" indent="-212040">
+            <a:pPr marL="216000" indent="-211680">
               <a:lnSpc>
                 <a:spcPct val="100000"/>
               </a:lnSpc>
@@ -13482,7 +13309,7 @@
             </a:endParaRPr>
           </a:p>
           <a:p>
-            <a:pPr marL="216000" indent="-212040">
+            <a:pPr marL="216000" indent="-211680">
               <a:lnSpc>
                 <a:spcPct val="100000"/>
               </a:lnSpc>
@@ -13514,7 +13341,7 @@
             </a:endParaRPr>
           </a:p>
           <a:p>
-            <a:pPr marL="216000" indent="-212040">
+            <a:pPr marL="216000" indent="-211680">
               <a:lnSpc>
                 <a:spcPct val="100000"/>
               </a:lnSpc>
@@ -13546,7 +13373,7 @@
             </a:endParaRPr>
           </a:p>
           <a:p>
-            <a:pPr marL="216000" indent="-212040">
+            <a:pPr marL="216000" indent="-211680">
               <a:lnSpc>
                 <a:spcPct val="100000"/>
               </a:lnSpc>
@@ -13730,7 +13557,7 @@
             </a:endParaRPr>
           </a:p>
           <a:p>
-            <a:pPr marL="216000" indent="-212040">
+            <a:pPr marL="216000" indent="-211680">
               <a:lnSpc>
                 <a:spcPct val="100000"/>
               </a:lnSpc>
@@ -13762,7 +13589,7 @@
             </a:endParaRPr>
           </a:p>
           <a:p>
-            <a:pPr marL="216000" indent="-212040">
+            <a:pPr marL="216000" indent="-211680">
               <a:lnSpc>
                 <a:spcPct val="100000"/>
               </a:lnSpc>
@@ -13824,7 +13651,7 @@
             </a:endParaRPr>
           </a:p>
           <a:p>
-            <a:pPr marL="216000" indent="-212040">
+            <a:pPr marL="216000" indent="-211680">
               <a:lnSpc>
                 <a:spcPct val="100000"/>
               </a:lnSpc>
@@ -13856,7 +13683,7 @@
             </a:endParaRPr>
           </a:p>
           <a:p>
-            <a:pPr marL="216000" indent="-212040">
+            <a:pPr marL="216000" indent="-211680">
               <a:lnSpc>
                 <a:spcPct val="100000"/>
               </a:lnSpc>
@@ -13924,7 +13751,7 @@
             </a:endParaRPr>
           </a:p>
           <a:p>
-            <a:pPr marL="216000" indent="-212040">
+            <a:pPr marL="216000" indent="-211680">
               <a:lnSpc>
                 <a:spcPct val="100000"/>
               </a:lnSpc>
@@ -14042,7 +13869,7 @@
         <p:spPr>
           <a:xfrm>
             <a:off x="5670360" y="1005840"/>
-            <a:ext cx="3196440" cy="863640"/>
+            <a:ext cx="3196080" cy="863280"/>
           </a:xfrm>
           <a:prstGeom prst="rect">
             <a:avLst/>
@@ -14065,7 +13892,7 @@
         <p:spPr>
           <a:xfrm>
             <a:off x="5852160" y="1872360"/>
-            <a:ext cx="2831760" cy="411840"/>
+            <a:ext cx="2831400" cy="411480"/>
           </a:xfrm>
           <a:prstGeom prst="rect">
             <a:avLst/>
@@ -14088,7 +13915,7 @@
         <p:spPr>
           <a:xfrm>
             <a:off x="5943600" y="2468880"/>
-            <a:ext cx="3197520" cy="455400"/>
+            <a:ext cx="3197160" cy="455040"/>
           </a:xfrm>
           <a:prstGeom prst="rect">
             <a:avLst/>
@@ -14107,7 +13934,7 @@
         <p:spPr>
           <a:xfrm>
             <a:off x="5029200" y="2560320"/>
-            <a:ext cx="1368720" cy="517320"/>
+            <a:ext cx="1368360" cy="516960"/>
           </a:xfrm>
           <a:prstGeom prst="rect">
             <a:avLst/>
@@ -14156,7 +13983,7 @@
         <p:spPr>
           <a:xfrm>
             <a:off x="4938840" y="1920240"/>
-            <a:ext cx="1094400" cy="517320"/>
+            <a:ext cx="1094040" cy="516960"/>
           </a:xfrm>
           <a:prstGeom prst="rect">
             <a:avLst/>
@@ -14205,7 +14032,7 @@
         <p:spPr>
           <a:xfrm>
             <a:off x="4846320" y="1249200"/>
-            <a:ext cx="911520" cy="255240"/>
+            <a:ext cx="911160" cy="254880"/>
           </a:xfrm>
           <a:prstGeom prst="rect">
             <a:avLst/>
@@ -14254,7 +14081,7 @@
         <p:spPr>
           <a:xfrm>
             <a:off x="6492240" y="3870000"/>
-            <a:ext cx="1368720" cy="334440"/>
+            <a:ext cx="1368360" cy="334080"/>
           </a:xfrm>
           <a:prstGeom prst="rect">
             <a:avLst/>
@@ -14303,7 +14130,7 @@
         <p:spPr>
           <a:xfrm>
             <a:off x="3200400" y="5973120"/>
-            <a:ext cx="1368720" cy="334440"/>
+            <a:ext cx="1368360" cy="334080"/>
           </a:xfrm>
           <a:prstGeom prst="rect">
             <a:avLst/>
@@ -14356,7 +14183,7 @@
         <p:spPr>
           <a:xfrm>
             <a:off x="5669280" y="4206240"/>
-            <a:ext cx="3366000" cy="1095480"/>
+            <a:ext cx="3365640" cy="1095120"/>
           </a:xfrm>
           <a:prstGeom prst="rect">
             <a:avLst/>
@@ -14375,7 +14202,7 @@
         <p:spPr>
           <a:xfrm>
             <a:off x="6949440" y="5303520"/>
-            <a:ext cx="1368720" cy="334440"/>
+            <a:ext cx="1368360" cy="334080"/>
           </a:xfrm>
           <a:prstGeom prst="rect">
             <a:avLst/>
@@ -14473,7 +14300,7 @@
         <p:spPr>
           <a:xfrm>
             <a:off x="365760" y="274320"/>
-            <a:ext cx="8317080" cy="815040"/>
+            <a:ext cx="8316720" cy="814680"/>
           </a:xfrm>
           <a:prstGeom prst="rect">
             <a:avLst/>
@@ -14522,7 +14349,7 @@
         <p:spPr>
           <a:xfrm>
             <a:off x="457200" y="1005840"/>
-            <a:ext cx="8134200" cy="4404960"/>
+            <a:ext cx="8133840" cy="4404600"/>
           </a:xfrm>
           <a:prstGeom prst="rect">
             <a:avLst/>
@@ -14541,7 +14368,7 @@
         <p:txBody>
           <a:bodyPr lIns="90000" rIns="90000" tIns="45000" bIns="45000"/>
           <a:p>
-            <a:pPr marL="216000" indent="-212040">
+            <a:pPr marL="216000" indent="-211680">
               <a:lnSpc>
                 <a:spcPct val="100000"/>
               </a:lnSpc>
@@ -14609,7 +14436,7 @@
             </a:endParaRPr>
           </a:p>
           <a:p>
-            <a:pPr marL="216000" indent="-212040">
+            <a:pPr marL="216000" indent="-211680">
               <a:lnSpc>
                 <a:spcPct val="100000"/>
               </a:lnSpc>
@@ -14641,7 +14468,7 @@
             </a:endParaRPr>
           </a:p>
           <a:p>
-            <a:pPr marL="216000" indent="-212040">
+            <a:pPr marL="216000" indent="-211680">
               <a:lnSpc>
                 <a:spcPct val="100000"/>
               </a:lnSpc>
@@ -14885,7 +14712,7 @@
         <p:spPr>
           <a:xfrm>
             <a:off x="5670360" y="1005840"/>
-            <a:ext cx="3196440" cy="863640"/>
+            <a:ext cx="3196080" cy="863280"/>
           </a:xfrm>
           <a:prstGeom prst="rect">
             <a:avLst/>
@@ -14904,7 +14731,7 @@
         <p:spPr>
           <a:xfrm>
             <a:off x="6217920" y="2560320"/>
-            <a:ext cx="1003680" cy="272160"/>
+            <a:ext cx="1003320" cy="271800"/>
           </a:xfrm>
           <a:prstGeom prst="rect">
             <a:avLst/>
@@ -14953,7 +14780,7 @@
         <p:spPr>
           <a:xfrm>
             <a:off x="4846320" y="1249200"/>
-            <a:ext cx="911520" cy="255240"/>
+            <a:ext cx="911160" cy="254880"/>
           </a:xfrm>
           <a:prstGeom prst="rect">
             <a:avLst/>
@@ -15006,7 +14833,7 @@
         <p:spPr>
           <a:xfrm>
             <a:off x="4566240" y="2061000"/>
-            <a:ext cx="4209840" cy="497160"/>
+            <a:ext cx="4209480" cy="496800"/>
           </a:xfrm>
           <a:prstGeom prst="rect">
             <a:avLst/>
@@ -15029,7 +14856,7 @@
         <p:spPr>
           <a:xfrm>
             <a:off x="5394960" y="4956840"/>
-            <a:ext cx="3477960" cy="986760"/>
+            <a:ext cx="3477600" cy="986400"/>
           </a:xfrm>
           <a:prstGeom prst="rect">
             <a:avLst/>
@@ -15048,7 +14875,7 @@
         <p:spPr>
           <a:xfrm>
             <a:off x="4023360" y="5397120"/>
-            <a:ext cx="1003680" cy="272160"/>
+            <a:ext cx="1003320" cy="271800"/>
           </a:xfrm>
           <a:prstGeom prst="rect">
             <a:avLst/>
@@ -15101,7 +14928,7 @@
         <p:spPr>
           <a:xfrm>
             <a:off x="5394960" y="3107880"/>
-            <a:ext cx="2560320" cy="1189800"/>
+            <a:ext cx="2559960" cy="1189440"/>
           </a:xfrm>
           <a:prstGeom prst="rect">
             <a:avLst/>
@@ -15120,7 +14947,7 @@
         <p:spPr>
           <a:xfrm>
             <a:off x="6311520" y="4482720"/>
-            <a:ext cx="1003680" cy="272160"/>
+            <a:ext cx="1003320" cy="271800"/>
           </a:xfrm>
           <a:prstGeom prst="rect">
             <a:avLst/>
@@ -15152,47 +14979,7 @@
                 <a:latin typeface="Arial"/>
                 <a:ea typeface="DejaVu Sans"/>
               </a:rPr>
-              <a:t>Fi</a:t>
-            </a:r>
-            <a:r>
-              <a:rPr b="0" lang="en-US" sz="1200" spc="-1" strike="noStrike">
-                <a:solidFill>
-                  <a:srgbClr val="000000"/>
-                </a:solidFill>
-                <a:latin typeface="Arial"/>
-                <a:ea typeface="DejaVu Sans"/>
-              </a:rPr>
-              <a:t>g </a:t>
-            </a:r>
-            <a:r>
-              <a:rPr b="0" lang="en-US" sz="1200" spc="-1" strike="noStrike">
-                <a:solidFill>
-                  <a:srgbClr val="000000"/>
-                </a:solidFill>
-                <a:latin typeface="Arial"/>
-                <a:ea typeface="DejaVu Sans"/>
-              </a:rPr>
-              <a:t>R</a:t>
-            </a:r>
-            <a:r>
-              <a:rPr b="0" lang="en-US" sz="1200" spc="-1" strike="noStrike">
-                <a:solidFill>
-                  <a:srgbClr val="000000"/>
-                </a:solidFill>
-                <a:latin typeface="Arial"/>
-                <a:ea typeface="DejaVu Sans"/>
-              </a:rPr>
-              <a:t>1.</a:t>
-            </a:r>
-            <a:r>
-              <a:rPr b="0" lang="en-US" sz="1200" spc="-1" strike="noStrike">
-                <a:solidFill>
-                  <a:srgbClr val="000000"/>
-                </a:solidFill>
-                <a:latin typeface="Arial"/>
-                <a:ea typeface="DejaVu Sans"/>
-              </a:rPr>
-              <a:t>3</a:t>
+              <a:t>Fig R1.3</a:t>
             </a:r>
             <a:endParaRPr b="0" lang="en-US" sz="1200" spc="-1" strike="noStrike">
               <a:latin typeface="Arial"/>
@@ -15258,7 +15045,7 @@
         <p:spPr>
           <a:xfrm>
             <a:off x="365760" y="274320"/>
-            <a:ext cx="8317080" cy="815040"/>
+            <a:ext cx="8316720" cy="814680"/>
           </a:xfrm>
           <a:prstGeom prst="rect">
             <a:avLst/>
@@ -15307,7 +15094,7 @@
         <p:spPr>
           <a:xfrm>
             <a:off x="457200" y="1005840"/>
-            <a:ext cx="8134200" cy="4404960"/>
+            <a:ext cx="8133840" cy="4404600"/>
           </a:xfrm>
           <a:prstGeom prst="rect">
             <a:avLst/>
@@ -15326,7 +15113,7 @@
         <p:txBody>
           <a:bodyPr lIns="90000" rIns="90000" tIns="45000" bIns="45000"/>
           <a:p>
-            <a:pPr marL="216000" indent="-212040">
+            <a:pPr marL="216000" indent="-211680">
               <a:lnSpc>
                 <a:spcPct val="100000"/>
               </a:lnSpc>
@@ -15378,7 +15165,7 @@
             </a:endParaRPr>
           </a:p>
           <a:p>
-            <a:pPr marL="216000" indent="-212040">
+            <a:pPr marL="216000" indent="-211680">
               <a:lnSpc>
                 <a:spcPct val="100000"/>
               </a:lnSpc>
@@ -15410,7 +15197,7 @@
             </a:endParaRPr>
           </a:p>
           <a:p>
-            <a:pPr marL="216000" indent="-212040">
+            <a:pPr marL="216000" indent="-211680">
               <a:lnSpc>
                 <a:spcPct val="100000"/>
               </a:lnSpc>
@@ -15442,7 +15229,7 @@
             </a:endParaRPr>
           </a:p>
           <a:p>
-            <a:pPr marL="216000" indent="-212040">
+            <a:pPr marL="216000" indent="-211680">
               <a:lnSpc>
                 <a:spcPct val="100000"/>
               </a:lnSpc>
@@ -15522,7 +15309,7 @@
             </a:endParaRPr>
           </a:p>
           <a:p>
-            <a:pPr marL="216000" indent="-212040">
+            <a:pPr marL="216000" indent="-211680">
               <a:lnSpc>
                 <a:spcPct val="100000"/>
               </a:lnSpc>
@@ -15564,7 +15351,7 @@
             </a:endParaRPr>
           </a:p>
           <a:p>
-            <a:pPr marL="216000" indent="-212040">
+            <a:pPr marL="216000" indent="-211680">
               <a:lnSpc>
                 <a:spcPct val="100000"/>
               </a:lnSpc>
@@ -15596,7 +15383,7 @@
             </a:endParaRPr>
           </a:p>
           <a:p>
-            <a:pPr marL="216000" indent="-212040">
+            <a:pPr marL="216000" indent="-211680">
               <a:lnSpc>
                 <a:spcPct val="100000"/>
               </a:lnSpc>
@@ -15621,14 +15408,14 @@
                 <a:latin typeface="Times New Roman"/>
                 <a:ea typeface="DejaVu Sans"/>
               </a:rPr>
-              <a:t>IM:  create new model fits :: R1.7</a:t>
+              <a:t>Data2: pos:50&lt;A,B&gt;,5&lt;B,A&gt; neg:5&lt;A,B&gt;, 50&lt;B,A&gt;</a:t>
             </a:r>
             <a:endParaRPr b="0" lang="en-US" sz="1300" spc="-1" strike="noStrike">
               <a:latin typeface="Arial"/>
             </a:endParaRPr>
           </a:p>
           <a:p>
-            <a:pPr marL="216000" indent="-212040">
+            <a:pPr marL="216000" indent="-211680">
               <a:lnSpc>
                 <a:spcPct val="100000"/>
               </a:lnSpc>
@@ -15653,6 +15440,38 @@
                 <a:latin typeface="Times New Roman"/>
                 <a:ea typeface="DejaVu Sans"/>
               </a:rPr>
+              <a:t>IM:  create new model fits :: R1.7</a:t>
+            </a:r>
+            <a:endParaRPr b="0" lang="en-US" sz="1300" spc="-1" strike="noStrike">
+              <a:latin typeface="Arial"/>
+            </a:endParaRPr>
+          </a:p>
+          <a:p>
+            <a:pPr marL="216000" indent="-211680">
+              <a:lnSpc>
+                <a:spcPct val="100000"/>
+              </a:lnSpc>
+              <a:spcBef>
+                <a:spcPts val="431"/>
+              </a:spcBef>
+              <a:spcAft>
+                <a:spcPts val="575"/>
+              </a:spcAft>
+              <a:buClr>
+                <a:srgbClr val="000000"/>
+              </a:buClr>
+              <a:buSzPct val="45000"/>
+              <a:buFont typeface="Wingdings" charset="2"/>
+              <a:buChar char=""/>
+            </a:pPr>
+            <a:r>
+              <a:rPr b="1" lang="en-US" sz="1300" spc="-1" strike="noStrike">
+                <a:solidFill>
+                  <a:srgbClr val="000000"/>
+                </a:solidFill>
+                <a:latin typeface="Times New Roman"/>
+                <a:ea typeface="DejaVu Sans"/>
+              </a:rPr>
               <a:t>RM:  add skip and new transtion :: R1.8</a:t>
             </a:r>
             <a:endParaRPr b="0" lang="en-US" sz="1300" spc="-1" strike="noStrike">
@@ -15736,7 +15555,7 @@
         <p:spPr>
           <a:xfrm>
             <a:off x="5670360" y="1005840"/>
-            <a:ext cx="3196440" cy="863640"/>
+            <a:ext cx="3196080" cy="863280"/>
           </a:xfrm>
           <a:prstGeom prst="rect">
             <a:avLst/>
@@ -15755,7 +15574,7 @@
         <p:spPr>
           <a:xfrm>
             <a:off x="6309360" y="3320280"/>
-            <a:ext cx="1368720" cy="517320"/>
+            <a:ext cx="1368360" cy="516960"/>
           </a:xfrm>
           <a:prstGeom prst="rect">
             <a:avLst/>
@@ -15804,7 +15623,7 @@
         <p:spPr>
           <a:xfrm>
             <a:off x="4937760" y="1948680"/>
-            <a:ext cx="1094400" cy="517320"/>
+            <a:ext cx="1094040" cy="516960"/>
           </a:xfrm>
           <a:prstGeom prst="rect">
             <a:avLst/>
@@ -15853,7 +15672,7 @@
         <p:spPr>
           <a:xfrm>
             <a:off x="4846320" y="1249200"/>
-            <a:ext cx="911520" cy="255240"/>
+            <a:ext cx="911160" cy="254880"/>
           </a:xfrm>
           <a:prstGeom prst="rect">
             <a:avLst/>
@@ -15902,7 +15721,7 @@
         <p:spPr>
           <a:xfrm>
             <a:off x="6675120" y="5606280"/>
-            <a:ext cx="1368720" cy="334440"/>
+            <a:ext cx="1368360" cy="334080"/>
           </a:xfrm>
           <a:prstGeom prst="rect">
             <a:avLst/>
@@ -15955,7 +15774,7 @@
         <p:spPr>
           <a:xfrm>
             <a:off x="5852160" y="1872360"/>
-            <a:ext cx="3471840" cy="456120"/>
+            <a:ext cx="3471480" cy="455760"/>
           </a:xfrm>
           <a:prstGeom prst="rect">
             <a:avLst/>
@@ -15978,7 +15797,7 @@
         <p:spPr>
           <a:xfrm>
             <a:off x="4748760" y="2740680"/>
-            <a:ext cx="4392360" cy="456840"/>
+            <a:ext cx="4392000" cy="456480"/>
           </a:xfrm>
           <a:prstGeom prst="rect">
             <a:avLst/>
@@ -16001,7 +15820,7 @@
         <p:spPr>
           <a:xfrm>
             <a:off x="5394960" y="3781440"/>
-            <a:ext cx="3588480" cy="787680"/>
+            <a:ext cx="3588120" cy="787320"/>
           </a:xfrm>
           <a:prstGeom prst="rect">
             <a:avLst/>
@@ -16024,7 +15843,7 @@
         <p:spPr>
           <a:xfrm>
             <a:off x="5388840" y="4846320"/>
-            <a:ext cx="4118040" cy="775800"/>
+            <a:ext cx="4117680" cy="775440"/>
           </a:xfrm>
           <a:prstGeom prst="rect">
             <a:avLst/>
@@ -16043,7 +15862,7 @@
         <p:spPr>
           <a:xfrm>
             <a:off x="6492240" y="4600440"/>
-            <a:ext cx="1368720" cy="334440"/>
+            <a:ext cx="1368360" cy="334080"/>
           </a:xfrm>
           <a:prstGeom prst="rect">
             <a:avLst/>
@@ -16141,7 +15960,7 @@
         <p:spPr>
           <a:xfrm>
             <a:off x="365760" y="274320"/>
-            <a:ext cx="8317080" cy="815040"/>
+            <a:ext cx="8316720" cy="814680"/>
           </a:xfrm>
           <a:prstGeom prst="rect">
             <a:avLst/>
@@ -16194,7 +16013,7 @@
         <p:spPr>
           <a:xfrm>
             <a:off x="735480" y="4846320"/>
-            <a:ext cx="5663160" cy="1095120"/>
+            <a:ext cx="5662800" cy="1094760"/>
           </a:xfrm>
           <a:prstGeom prst="rect">
             <a:avLst/>
@@ -16213,7 +16032,7 @@
         <p:spPr>
           <a:xfrm>
             <a:off x="457200" y="1005840"/>
-            <a:ext cx="8134200" cy="4404960"/>
+            <a:ext cx="8133840" cy="4404600"/>
           </a:xfrm>
           <a:prstGeom prst="rect">
             <a:avLst/>
@@ -16298,7 +16117,7 @@
             </a:endParaRPr>
           </a:p>
           <a:p>
-            <a:pPr marL="216000" indent="-212040">
+            <a:pPr marL="216000" indent="-211680">
               <a:lnSpc>
                 <a:spcPct val="100000"/>
               </a:lnSpc>
@@ -16330,7 +16149,7 @@
             </a:endParaRPr>
           </a:p>
           <a:p>
-            <a:pPr marL="216000" indent="-212040">
+            <a:pPr marL="216000" indent="-211680">
               <a:lnSpc>
                 <a:spcPct val="100000"/>
               </a:lnSpc>
@@ -16614,7 +16433,7 @@
         <p:spPr>
           <a:xfrm>
             <a:off x="5852160" y="1872360"/>
-            <a:ext cx="2831760" cy="659160"/>
+            <a:ext cx="2831400" cy="658800"/>
           </a:xfrm>
           <a:prstGeom prst="rect">
             <a:avLst/>
@@ -16633,7 +16452,7 @@
         <p:spPr>
           <a:xfrm>
             <a:off x="6309360" y="3474720"/>
-            <a:ext cx="1368720" cy="272160"/>
+            <a:ext cx="1368360" cy="271800"/>
           </a:xfrm>
           <a:prstGeom prst="rect">
             <a:avLst/>
@@ -16682,7 +16501,7 @@
         <p:spPr>
           <a:xfrm>
             <a:off x="4937760" y="2103120"/>
-            <a:ext cx="1094400" cy="517320"/>
+            <a:ext cx="1094040" cy="516960"/>
           </a:xfrm>
           <a:prstGeom prst="rect">
             <a:avLst/>
@@ -16731,7 +16550,7 @@
         <p:spPr>
           <a:xfrm>
             <a:off x="4846320" y="1249200"/>
-            <a:ext cx="911520" cy="255240"/>
+            <a:ext cx="911160" cy="254880"/>
           </a:xfrm>
           <a:prstGeom prst="rect">
             <a:avLst/>
@@ -16784,7 +16603,7 @@
         <p:spPr>
           <a:xfrm>
             <a:off x="4840920" y="2560320"/>
-            <a:ext cx="3843720" cy="858960"/>
+            <a:ext cx="3843360" cy="858600"/>
           </a:xfrm>
           <a:prstGeom prst="rect">
             <a:avLst/>
@@ -16807,7 +16626,7 @@
         <p:spPr>
           <a:xfrm>
             <a:off x="4848120" y="3749040"/>
-            <a:ext cx="3653640" cy="777960"/>
+            <a:ext cx="3653280" cy="777600"/>
           </a:xfrm>
           <a:prstGeom prst="rect">
             <a:avLst/>
@@ -16826,7 +16645,7 @@
         <p:spPr>
           <a:xfrm>
             <a:off x="6583680" y="4480560"/>
-            <a:ext cx="1368720" cy="272160"/>
+            <a:ext cx="1368360" cy="271800"/>
           </a:xfrm>
           <a:prstGeom prst="rect">
             <a:avLst/>
@@ -16875,7 +16694,7 @@
         <p:spPr>
           <a:xfrm>
             <a:off x="6767280" y="5138640"/>
-            <a:ext cx="1368720" cy="272160"/>
+            <a:ext cx="1368360" cy="271800"/>
           </a:xfrm>
           <a:prstGeom prst="rect">
             <a:avLst/>
@@ -16928,7 +16747,7 @@
         <p:spPr>
           <a:xfrm>
             <a:off x="5461920" y="947520"/>
-            <a:ext cx="3588480" cy="787680"/>
+            <a:ext cx="3588120" cy="787320"/>
           </a:xfrm>
           <a:prstGeom prst="rect">
             <a:avLst/>
@@ -16996,7 +16815,7 @@
         <p:spPr>
           <a:xfrm>
             <a:off x="365760" y="274320"/>
-            <a:ext cx="8317080" cy="815040"/>
+            <a:ext cx="8316720" cy="814680"/>
           </a:xfrm>
           <a:prstGeom prst="rect">
             <a:avLst/>
@@ -17045,7 +16864,7 @@
         <p:spPr>
           <a:xfrm>
             <a:off x="457200" y="1005840"/>
-            <a:ext cx="8134200" cy="4404960"/>
+            <a:ext cx="8133840" cy="4404600"/>
           </a:xfrm>
           <a:prstGeom prst="rect">
             <a:avLst/>
@@ -17558,7 +17377,7 @@
         <p:spPr>
           <a:xfrm>
             <a:off x="6675840" y="5412960"/>
-            <a:ext cx="1368720" cy="272160"/>
+            <a:ext cx="1368360" cy="271800"/>
           </a:xfrm>
           <a:prstGeom prst="rect">
             <a:avLst/>
@@ -17611,7 +17430,7 @@
         <p:spPr>
           <a:xfrm>
             <a:off x="4297680" y="3108960"/>
-            <a:ext cx="4837680" cy="1278720"/>
+            <a:ext cx="4837320" cy="1278360"/>
           </a:xfrm>
           <a:prstGeom prst="rect">
             <a:avLst/>
@@ -17630,7 +17449,7 @@
         <p:spPr>
           <a:xfrm>
             <a:off x="6492240" y="2926080"/>
-            <a:ext cx="1094400" cy="272160"/>
+            <a:ext cx="1094040" cy="271800"/>
           </a:xfrm>
           <a:prstGeom prst="rect">
             <a:avLst/>
@@ -17683,7 +17502,7 @@
         <p:spPr>
           <a:xfrm>
             <a:off x="5553360" y="914400"/>
-            <a:ext cx="3588480" cy="787680"/>
+            <a:ext cx="3588120" cy="787320"/>
           </a:xfrm>
           <a:prstGeom prst="rect">
             <a:avLst/>
@@ -17702,7 +17521,7 @@
         <p:spPr>
           <a:xfrm>
             <a:off x="5486400" y="1506600"/>
-            <a:ext cx="911520" cy="255240"/>
+            <a:ext cx="911160" cy="254880"/>
           </a:xfrm>
           <a:prstGeom prst="rect">
             <a:avLst/>
@@ -17751,7 +17570,7 @@
         <p:spPr>
           <a:xfrm>
             <a:off x="6950160" y="4206240"/>
-            <a:ext cx="1368720" cy="272160"/>
+            <a:ext cx="1368360" cy="271800"/>
           </a:xfrm>
           <a:prstGeom prst="rect">
             <a:avLst/>
@@ -17800,7 +17619,7 @@
         <p:spPr>
           <a:xfrm>
             <a:off x="3657600" y="5669280"/>
-            <a:ext cx="1368720" cy="272160"/>
+            <a:ext cx="1368360" cy="271800"/>
           </a:xfrm>
           <a:prstGeom prst="rect">
             <a:avLst/>
@@ -17853,7 +17672,7 @@
         <p:spPr>
           <a:xfrm>
             <a:off x="5486400" y="1977840"/>
-            <a:ext cx="3643560" cy="946080"/>
+            <a:ext cx="3643200" cy="945720"/>
           </a:xfrm>
           <a:prstGeom prst="rect">
             <a:avLst/>
@@ -17876,7 +17695,7 @@
         <p:spPr>
           <a:xfrm>
             <a:off x="4846320" y="4492440"/>
-            <a:ext cx="4253760" cy="534600"/>
+            <a:ext cx="4253400" cy="534240"/>
           </a:xfrm>
           <a:prstGeom prst="rect">
             <a:avLst/>
@@ -17899,7 +17718,7 @@
         <p:spPr>
           <a:xfrm>
             <a:off x="4572000" y="5262120"/>
-            <a:ext cx="4563360" cy="770760"/>
+            <a:ext cx="4563000" cy="770400"/>
           </a:xfrm>
           <a:prstGeom prst="rect">
             <a:avLst/>
@@ -17918,7 +17737,7 @@
         <p:spPr>
           <a:xfrm>
             <a:off x="5944320" y="4937760"/>
-            <a:ext cx="1368720" cy="272160"/>
+            <a:ext cx="1368360" cy="271800"/>
           </a:xfrm>
           <a:prstGeom prst="rect">
             <a:avLst/>
@@ -18020,7 +17839,7 @@
         <p:spPr>
           <a:xfrm>
             <a:off x="3931920" y="3108960"/>
-            <a:ext cx="5212800" cy="1003680"/>
+            <a:ext cx="5212440" cy="1003320"/>
           </a:xfrm>
           <a:prstGeom prst="rect">
             <a:avLst/>
@@ -18039,7 +17858,7 @@
         <p:spPr>
           <a:xfrm>
             <a:off x="365760" y="274320"/>
-            <a:ext cx="8317080" cy="815040"/>
+            <a:ext cx="8316720" cy="814680"/>
           </a:xfrm>
           <a:prstGeom prst="rect">
             <a:avLst/>
@@ -18088,7 +17907,7 @@
         <p:spPr>
           <a:xfrm>
             <a:off x="457200" y="1005840"/>
-            <a:ext cx="8134200" cy="4404960"/>
+            <a:ext cx="8133840" cy="4404600"/>
           </a:xfrm>
           <a:prstGeom prst="rect">
             <a:avLst/>
@@ -18547,7 +18366,7 @@
         <p:spPr>
           <a:xfrm>
             <a:off x="6858000" y="2834640"/>
-            <a:ext cx="1094400" cy="272160"/>
+            <a:ext cx="1094040" cy="271800"/>
           </a:xfrm>
           <a:prstGeom prst="rect">
             <a:avLst/>
@@ -18596,7 +18415,7 @@
         <p:spPr>
           <a:xfrm>
             <a:off x="4846320" y="1249200"/>
-            <a:ext cx="911520" cy="255240"/>
+            <a:ext cx="911160" cy="254880"/>
           </a:xfrm>
           <a:prstGeom prst="rect">
             <a:avLst/>
@@ -18645,7 +18464,7 @@
         <p:spPr>
           <a:xfrm>
             <a:off x="6950160" y="3931920"/>
-            <a:ext cx="1368720" cy="272160"/>
+            <a:ext cx="1368360" cy="271800"/>
           </a:xfrm>
           <a:prstGeom prst="rect">
             <a:avLst/>
@@ -18694,7 +18513,7 @@
         <p:spPr>
           <a:xfrm>
             <a:off x="3932640" y="5669280"/>
-            <a:ext cx="1368720" cy="272160"/>
+            <a:ext cx="1368360" cy="271800"/>
           </a:xfrm>
           <a:prstGeom prst="rect">
             <a:avLst/>
@@ -18743,7 +18562,7 @@
         <p:spPr>
           <a:xfrm>
             <a:off x="5944320" y="4937760"/>
-            <a:ext cx="1368720" cy="272160"/>
+            <a:ext cx="1368360" cy="271800"/>
           </a:xfrm>
           <a:prstGeom prst="rect">
             <a:avLst/>
@@ -18796,7 +18615,7 @@
         <p:spPr>
           <a:xfrm>
             <a:off x="4663440" y="1828800"/>
-            <a:ext cx="4478400" cy="1003680"/>
+            <a:ext cx="4478040" cy="1003320"/>
           </a:xfrm>
           <a:prstGeom prst="rect">
             <a:avLst/>
@@ -18819,7 +18638,7 @@
         <p:spPr>
           <a:xfrm>
             <a:off x="5394960" y="4241520"/>
-            <a:ext cx="3842640" cy="785520"/>
+            <a:ext cx="3842280" cy="785160"/>
           </a:xfrm>
           <a:prstGeom prst="rect">
             <a:avLst/>
@@ -18842,7 +18661,7 @@
         <p:spPr>
           <a:xfrm>
             <a:off x="4739040" y="5212080"/>
-            <a:ext cx="4487760" cy="912240"/>
+            <a:ext cx="4487400" cy="911880"/>
           </a:xfrm>
           <a:prstGeom prst="rect">
             <a:avLst/>
@@ -18865,7 +18684,7 @@
         <p:spPr>
           <a:xfrm>
             <a:off x="5486400" y="947520"/>
-            <a:ext cx="3588480" cy="787680"/>
+            <a:ext cx="3588120" cy="787320"/>
           </a:xfrm>
           <a:prstGeom prst="rect">
             <a:avLst/>
@@ -18933,7 +18752,7 @@
         <p:spPr>
           <a:xfrm>
             <a:off x="365760" y="274320"/>
-            <a:ext cx="8317080" cy="815040"/>
+            <a:ext cx="8316720" cy="814680"/>
           </a:xfrm>
           <a:prstGeom prst="rect">
             <a:avLst/>
@@ -18982,7 +18801,7 @@
         <p:spPr>
           <a:xfrm>
             <a:off x="457200" y="1005840"/>
-            <a:ext cx="8134200" cy="4404960"/>
+            <a:ext cx="8133840" cy="4404600"/>
           </a:xfrm>
           <a:prstGeom prst="rect">
             <a:avLst/>
@@ -19037,7 +18856,7 @@
             </a:endParaRPr>
           </a:p>
           <a:p>
-            <a:pPr marL="216000" indent="-212040">
+            <a:pPr marL="216000" indent="-211680">
               <a:lnSpc>
                 <a:spcPct val="100000"/>
               </a:lnSpc>
@@ -19069,7 +18888,7 @@
             </a:endParaRPr>
           </a:p>
           <a:p>
-            <a:pPr marL="216000" indent="-212040">
+            <a:pPr marL="216000" indent="-211680">
               <a:lnSpc>
                 <a:spcPct val="100000"/>
               </a:lnSpc>
@@ -19101,7 +18920,7 @@
             </a:endParaRPr>
           </a:p>
           <a:p>
-            <a:pPr marL="216000" indent="-212040">
+            <a:pPr marL="216000" indent="-211680">
               <a:lnSpc>
                 <a:spcPct val="100000"/>
               </a:lnSpc>
@@ -19133,7 +18952,7 @@
             </a:endParaRPr>
           </a:p>
           <a:p>
-            <a:pPr marL="216000" indent="-212040">
+            <a:pPr marL="216000" indent="-211680">
               <a:lnSpc>
                 <a:spcPct val="100000"/>
               </a:lnSpc>
@@ -19233,7 +19052,7 @@
             </a:endParaRPr>
           </a:p>
           <a:p>
-            <a:pPr marL="216000" indent="-212040">
+            <a:pPr marL="216000" indent="-211680">
               <a:lnSpc>
                 <a:spcPct val="100000"/>
               </a:lnSpc>
@@ -19265,7 +19084,7 @@
             </a:endParaRPr>
           </a:p>
           <a:p>
-            <a:pPr marL="216000" indent="-212040">
+            <a:pPr marL="216000" indent="-211680">
               <a:lnSpc>
                 <a:spcPct val="100000"/>
               </a:lnSpc>
@@ -19297,7 +19116,7 @@
             </a:endParaRPr>
           </a:p>
           <a:p>
-            <a:pPr marL="216000" indent="-212040">
+            <a:pPr marL="216000" indent="-211680">
               <a:lnSpc>
                 <a:spcPct val="100000"/>
               </a:lnSpc>
@@ -19375,7 +19194,7 @@
         <p:spPr>
           <a:xfrm>
             <a:off x="4846320" y="1249200"/>
-            <a:ext cx="911520" cy="255240"/>
+            <a:ext cx="911160" cy="254880"/>
           </a:xfrm>
           <a:prstGeom prst="rect">
             <a:avLst/>
@@ -19428,7 +19247,7 @@
         <p:spPr>
           <a:xfrm>
             <a:off x="5303520" y="1958040"/>
-            <a:ext cx="2923920" cy="1331640"/>
+            <a:ext cx="2923560" cy="1331280"/>
           </a:xfrm>
           <a:prstGeom prst="rect">
             <a:avLst/>
@@ -19447,7 +19266,7 @@
         <p:spPr>
           <a:xfrm>
             <a:off x="7040880" y="3108960"/>
-            <a:ext cx="1368720" cy="334440"/>
+            <a:ext cx="1368360" cy="334080"/>
           </a:xfrm>
           <a:prstGeom prst="rect">
             <a:avLst/>
@@ -19500,7 +19319,7 @@
         <p:spPr>
           <a:xfrm>
             <a:off x="5119560" y="3839400"/>
-            <a:ext cx="3471840" cy="456120"/>
+            <a:ext cx="3471480" cy="455760"/>
           </a:xfrm>
           <a:prstGeom prst="rect">
             <a:avLst/>
@@ -19523,7 +19342,7 @@
         <p:spPr>
           <a:xfrm>
             <a:off x="4663440" y="4935960"/>
-            <a:ext cx="4392360" cy="456840"/>
+            <a:ext cx="4392000" cy="456480"/>
           </a:xfrm>
           <a:prstGeom prst="rect">
             <a:avLst/>
@@ -19542,7 +19361,7 @@
         <p:spPr>
           <a:xfrm>
             <a:off x="6217920" y="4297680"/>
-            <a:ext cx="1094400" cy="243720"/>
+            <a:ext cx="1094040" cy="243360"/>
           </a:xfrm>
           <a:prstGeom prst="rect">
             <a:avLst/>
@@ -19591,7 +19410,7 @@
         <p:spPr>
           <a:xfrm>
             <a:off x="6492960" y="5394960"/>
-            <a:ext cx="1094400" cy="243720"/>
+            <a:ext cx="1094040" cy="243360"/>
           </a:xfrm>
           <a:prstGeom prst="rect">
             <a:avLst/>
@@ -19644,7 +19463,7 @@
         <p:spPr>
           <a:xfrm>
             <a:off x="5461920" y="1038960"/>
-            <a:ext cx="3588480" cy="787680"/>
+            <a:ext cx="3588120" cy="787320"/>
           </a:xfrm>
           <a:prstGeom prst="rect">
             <a:avLst/>
@@ -19712,7 +19531,7 @@
         <p:spPr>
           <a:xfrm>
             <a:off x="365760" y="274320"/>
-            <a:ext cx="8317080" cy="815040"/>
+            <a:ext cx="8316720" cy="814680"/>
           </a:xfrm>
           <a:prstGeom prst="rect">
             <a:avLst/>
@@ -19761,7 +19580,7 @@
         <p:spPr>
           <a:xfrm>
             <a:off x="457200" y="822960"/>
-            <a:ext cx="8134200" cy="4404960"/>
+            <a:ext cx="8133840" cy="4404600"/>
           </a:xfrm>
           <a:prstGeom prst="rect">
             <a:avLst/>
@@ -19780,7 +19599,7 @@
         <p:txBody>
           <a:bodyPr lIns="90000" rIns="90000" tIns="45000" bIns="45000"/>
           <a:p>
-            <a:pPr marL="216000" indent="-212040">
+            <a:pPr marL="216000" indent="-211680">
               <a:lnSpc>
                 <a:spcPct val="100000"/>
               </a:lnSpc>
@@ -19832,7 +19651,7 @@
             </a:endParaRPr>
           </a:p>
           <a:p>
-            <a:pPr marL="216000" indent="-212040">
+            <a:pPr marL="216000" indent="-211680">
               <a:lnSpc>
                 <a:spcPct val="100000"/>
               </a:lnSpc>
@@ -19864,7 +19683,7 @@
             </a:endParaRPr>
           </a:p>
           <a:p>
-            <a:pPr marL="216000" indent="-213840">
+            <a:pPr marL="216000" indent="-213480">
               <a:lnSpc>
                 <a:spcPct val="100000"/>
               </a:lnSpc>
@@ -19950,7 +19769,7 @@
             </a:endParaRPr>
           </a:p>
           <a:p>
-            <a:pPr marL="216000" indent="-212040">
+            <a:pPr marL="216000" indent="-211680">
               <a:lnSpc>
                 <a:spcPct val="100000"/>
               </a:lnSpc>
@@ -19982,7 +19801,7 @@
             </a:endParaRPr>
           </a:p>
           <a:p>
-            <a:pPr marL="216000" indent="-212040">
+            <a:pPr marL="216000" indent="-211680">
               <a:lnSpc>
                 <a:spcPct val="100000"/>
               </a:lnSpc>
@@ -20288,7 +20107,7 @@
         <p:spPr>
           <a:xfrm>
             <a:off x="5120640" y="1371600"/>
-            <a:ext cx="911520" cy="255240"/>
+            <a:ext cx="911160" cy="254880"/>
           </a:xfrm>
           <a:prstGeom prst="rect">
             <a:avLst/>
@@ -20341,7 +20160,7 @@
         <p:spPr>
           <a:xfrm>
             <a:off x="5187600" y="1953360"/>
-            <a:ext cx="3588480" cy="787680"/>
+            <a:ext cx="3588120" cy="787320"/>
           </a:xfrm>
           <a:prstGeom prst="rect">
             <a:avLst/>
@@ -20364,7 +20183,7 @@
         <p:spPr>
           <a:xfrm>
             <a:off x="5463720" y="3840480"/>
-            <a:ext cx="3496320" cy="1644840"/>
+            <a:ext cx="3495960" cy="1644480"/>
           </a:xfrm>
           <a:prstGeom prst="rect">
             <a:avLst/>
@@ -20383,7 +20202,7 @@
         <p:spPr>
           <a:xfrm>
             <a:off x="5852160" y="5504400"/>
-            <a:ext cx="911520" cy="255240"/>
+            <a:ext cx="911160" cy="254880"/>
           </a:xfrm>
           <a:prstGeom prst="rect">
             <a:avLst/>
@@ -20485,7 +20304,7 @@
         <p:spPr>
           <a:xfrm>
             <a:off x="4389120" y="3108960"/>
-            <a:ext cx="4431960" cy="1185840"/>
+            <a:ext cx="4431600" cy="1185480"/>
           </a:xfrm>
           <a:prstGeom prst="rect">
             <a:avLst/>
@@ -20508,7 +20327,7 @@
         <p:spPr>
           <a:xfrm>
             <a:off x="4389120" y="1828800"/>
-            <a:ext cx="4424760" cy="912960"/>
+            <a:ext cx="4424400" cy="912600"/>
           </a:xfrm>
           <a:prstGeom prst="rect">
             <a:avLst/>
@@ -20527,7 +20346,7 @@
         <p:spPr>
           <a:xfrm>
             <a:off x="365760" y="274320"/>
-            <a:ext cx="8317080" cy="815040"/>
+            <a:ext cx="8316720" cy="814680"/>
           </a:xfrm>
           <a:prstGeom prst="rect">
             <a:avLst/>
@@ -20576,7 +20395,7 @@
         <p:spPr>
           <a:xfrm>
             <a:off x="457200" y="1005840"/>
-            <a:ext cx="8134200" cy="4404960"/>
+            <a:ext cx="8133840" cy="4404600"/>
           </a:xfrm>
           <a:prstGeom prst="rect">
             <a:avLst/>
@@ -20595,7 +20414,7 @@
         <p:txBody>
           <a:bodyPr lIns="90000" rIns="90000" tIns="45000" bIns="45000"/>
           <a:p>
-            <a:pPr marL="216000" indent="-212040">
+            <a:pPr marL="216000" indent="-211680">
               <a:lnSpc>
                 <a:spcPct val="100000"/>
               </a:lnSpc>
@@ -20673,7 +20492,7 @@
             </a:endParaRPr>
           </a:p>
           <a:p>
-            <a:pPr marL="216000" indent="-212040">
+            <a:pPr marL="216000" indent="-211680">
               <a:lnSpc>
                 <a:spcPct val="100000"/>
               </a:lnSpc>
@@ -20715,7 +20534,7 @@
             </a:endParaRPr>
           </a:p>
           <a:p>
-            <a:pPr marL="216000" indent="-212040">
+            <a:pPr marL="216000" indent="-211680">
               <a:lnSpc>
                 <a:spcPct val="100000"/>
               </a:lnSpc>
@@ -20757,7 +20576,7 @@
             </a:endParaRPr>
           </a:p>
           <a:p>
-            <a:pPr marL="216000" indent="-212040">
+            <a:pPr marL="216000" indent="-211680">
               <a:lnSpc>
                 <a:spcPct val="100000"/>
               </a:lnSpc>
@@ -20789,7 +20608,7 @@
             </a:endParaRPr>
           </a:p>
           <a:p>
-            <a:pPr marL="216000" indent="-212040">
+            <a:pPr marL="216000" indent="-211680">
               <a:lnSpc>
                 <a:spcPct val="100000"/>
               </a:lnSpc>
@@ -20821,7 +20640,7 @@
             </a:endParaRPr>
           </a:p>
           <a:p>
-            <a:pPr marL="216000" indent="-212040">
+            <a:pPr marL="216000" indent="-211680">
               <a:lnSpc>
                 <a:spcPct val="100000"/>
               </a:lnSpc>
@@ -21085,7 +20904,7 @@
         <p:spPr>
           <a:xfrm>
             <a:off x="5852160" y="4144680"/>
-            <a:ext cx="1368720" cy="517320"/>
+            <a:ext cx="1368360" cy="516960"/>
           </a:xfrm>
           <a:prstGeom prst="rect">
             <a:avLst/>
@@ -21134,7 +20953,7 @@
         <p:spPr>
           <a:xfrm>
             <a:off x="5669280" y="2744640"/>
-            <a:ext cx="1094400" cy="454320"/>
+            <a:ext cx="1094040" cy="453960"/>
           </a:xfrm>
           <a:prstGeom prst="rect">
             <a:avLst/>
@@ -21183,7 +21002,7 @@
         <p:spPr>
           <a:xfrm>
             <a:off x="5943600" y="1479240"/>
-            <a:ext cx="911520" cy="255240"/>
+            <a:ext cx="911160" cy="254880"/>
           </a:xfrm>
           <a:prstGeom prst="rect">
             <a:avLst/>
@@ -21236,7 +21055,7 @@
         <p:spPr>
           <a:xfrm>
             <a:off x="4390560" y="1126800"/>
-            <a:ext cx="4660560" cy="426240"/>
+            <a:ext cx="4660200" cy="425880"/>
           </a:xfrm>
           <a:prstGeom prst="rect">
             <a:avLst/>
@@ -21259,7 +21078,7 @@
         <p:spPr>
           <a:xfrm>
             <a:off x="5120640" y="4663440"/>
-            <a:ext cx="3647880" cy="1011600"/>
+            <a:ext cx="3647520" cy="1011240"/>
           </a:xfrm>
           <a:prstGeom prst="rect">
             <a:avLst/>
@@ -21278,7 +21097,7 @@
         <p:spPr>
           <a:xfrm>
             <a:off x="6036480" y="5676480"/>
-            <a:ext cx="911520" cy="255240"/>
+            <a:ext cx="911160" cy="254880"/>
           </a:xfrm>
           <a:prstGeom prst="rect">
             <a:avLst/>
@@ -21380,7 +21199,7 @@
         <p:spPr>
           <a:xfrm>
             <a:off x="4390560" y="914400"/>
-            <a:ext cx="4660560" cy="426240"/>
+            <a:ext cx="4660200" cy="425880"/>
           </a:xfrm>
           <a:prstGeom prst="rect">
             <a:avLst/>
@@ -21403,7 +21222,7 @@
         <p:spPr>
           <a:xfrm>
             <a:off x="4663440" y="5244120"/>
-            <a:ext cx="4296240" cy="606600"/>
+            <a:ext cx="4295880" cy="606240"/>
           </a:xfrm>
           <a:prstGeom prst="rect">
             <a:avLst/>
@@ -21422,7 +21241,7 @@
         <p:spPr>
           <a:xfrm>
             <a:off x="365760" y="274320"/>
-            <a:ext cx="8317080" cy="815040"/>
+            <a:ext cx="8316720" cy="814680"/>
           </a:xfrm>
           <a:prstGeom prst="rect">
             <a:avLst/>
@@ -21471,7 +21290,7 @@
         <p:spPr>
           <a:xfrm>
             <a:off x="457200" y="1005840"/>
-            <a:ext cx="8134200" cy="4404960"/>
+            <a:ext cx="8133840" cy="4404600"/>
           </a:xfrm>
           <a:prstGeom prst="rect">
             <a:avLst/>
@@ -21708,7 +21527,7 @@
             </a:endParaRPr>
           </a:p>
           <a:p>
-            <a:pPr marL="216000" indent="-212040">
+            <a:pPr marL="216000" indent="-211680">
               <a:lnSpc>
                 <a:spcPct val="100000"/>
               </a:lnSpc>
@@ -21750,7 +21569,7 @@
             </a:endParaRPr>
           </a:p>
           <a:p>
-            <a:pPr marL="216000" indent="-212040">
+            <a:pPr marL="216000" indent="-211680">
               <a:lnSpc>
                 <a:spcPct val="100000"/>
               </a:lnSpc>
@@ -21842,7 +21661,7 @@
             </a:endParaRPr>
           </a:p>
           <a:p>
-            <a:pPr marL="216000" indent="-212040">
+            <a:pPr marL="216000" indent="-211680">
               <a:lnSpc>
                 <a:spcPct val="100000"/>
               </a:lnSpc>
@@ -21874,7 +21693,7 @@
             </a:endParaRPr>
           </a:p>
           <a:p>
-            <a:pPr marL="216000" indent="-212040">
+            <a:pPr marL="216000" indent="-211680">
               <a:lnSpc>
                 <a:spcPct val="100000"/>
               </a:lnSpc>
@@ -21906,7 +21725,7 @@
             </a:endParaRPr>
           </a:p>
           <a:p>
-            <a:pPr marL="216000" indent="-212040">
+            <a:pPr marL="216000" indent="-211680">
               <a:lnSpc>
                 <a:spcPct val="100000"/>
               </a:lnSpc>
@@ -22000,7 +21819,7 @@
         <p:spPr>
           <a:xfrm>
             <a:off x="6036480" y="1389240"/>
-            <a:ext cx="911520" cy="255240"/>
+            <a:ext cx="911160" cy="254880"/>
           </a:xfrm>
           <a:prstGeom prst="rect">
             <a:avLst/>
@@ -22053,7 +21872,7 @@
         <p:spPr>
           <a:xfrm>
             <a:off x="4297680" y="4389120"/>
-            <a:ext cx="4563360" cy="719640"/>
+            <a:ext cx="4563000" cy="719280"/>
           </a:xfrm>
           <a:prstGeom prst="rect">
             <a:avLst/>
@@ -22072,7 +21891,7 @@
         <p:spPr>
           <a:xfrm>
             <a:off x="6217920" y="5046840"/>
-            <a:ext cx="911520" cy="255240"/>
+            <a:ext cx="911160" cy="254880"/>
           </a:xfrm>
           <a:prstGeom prst="rect">
             <a:avLst/>
@@ -22121,7 +21940,7 @@
         <p:spPr>
           <a:xfrm>
             <a:off x="6583680" y="5760720"/>
-            <a:ext cx="911520" cy="255240"/>
+            <a:ext cx="911160" cy="254880"/>
           </a:xfrm>
           <a:prstGeom prst="rect">
             <a:avLst/>
@@ -22174,7 +21993,7 @@
         <p:spPr>
           <a:xfrm>
             <a:off x="4663440" y="1645920"/>
-            <a:ext cx="4430880" cy="973800"/>
+            <a:ext cx="4430520" cy="973440"/>
           </a:xfrm>
           <a:prstGeom prst="rect">
             <a:avLst/>
@@ -22197,7 +22016,7 @@
         <p:spPr>
           <a:xfrm>
             <a:off x="3522960" y="2847600"/>
-            <a:ext cx="5619600" cy="991440"/>
+            <a:ext cx="5619240" cy="991080"/>
           </a:xfrm>
           <a:prstGeom prst="rect">
             <a:avLst/>
@@ -22216,7 +22035,7 @@
         <p:spPr>
           <a:xfrm>
             <a:off x="6126480" y="2560320"/>
-            <a:ext cx="911520" cy="255240"/>
+            <a:ext cx="911160" cy="254880"/>
           </a:xfrm>
           <a:prstGeom prst="rect">
             <a:avLst/>
@@ -22265,7 +22084,7 @@
         <p:spPr>
           <a:xfrm>
             <a:off x="6766560" y="3766680"/>
-            <a:ext cx="911520" cy="255240"/>
+            <a:ext cx="911160" cy="254880"/>
           </a:xfrm>
           <a:prstGeom prst="rect">
             <a:avLst/>
@@ -22363,7 +22182,7 @@
         <p:spPr>
           <a:xfrm>
             <a:off x="365760" y="274320"/>
-            <a:ext cx="6396840" cy="450720"/>
+            <a:ext cx="6396480" cy="450360"/>
           </a:xfrm>
           <a:prstGeom prst="rect">
             <a:avLst/>
@@ -22412,7 +22231,7 @@
         <p:spPr>
           <a:xfrm>
             <a:off x="457200" y="1005840"/>
-            <a:ext cx="8134200" cy="4007160"/>
+            <a:ext cx="8133840" cy="4006800"/>
           </a:xfrm>
           <a:prstGeom prst="rect">
             <a:avLst/>
@@ -22431,7 +22250,7 @@
         <p:txBody>
           <a:bodyPr lIns="90000" rIns="90000" tIns="45000" bIns="45000"/>
           <a:p>
-            <a:pPr marL="216000" indent="-212040">
+            <a:pPr marL="216000" indent="-211680">
               <a:lnSpc>
                 <a:spcPct val="100000"/>
               </a:lnSpc>
@@ -22463,7 +22282,7 @@
             </a:endParaRPr>
           </a:p>
           <a:p>
-            <a:pPr marL="216000" indent="-212040">
+            <a:pPr marL="216000" indent="-211680">
               <a:lnSpc>
                 <a:spcPct val="100000"/>
               </a:lnSpc>
@@ -22495,7 +22314,7 @@
             </a:endParaRPr>
           </a:p>
           <a:p>
-            <a:pPr marL="216000" indent="-212040">
+            <a:pPr marL="216000" indent="-211680">
               <a:lnSpc>
                 <a:spcPct val="100000"/>
               </a:lnSpc>
@@ -22527,7 +22346,7 @@
             </a:endParaRPr>
           </a:p>
           <a:p>
-            <a:pPr marL="216000" indent="-212040">
+            <a:pPr marL="216000" indent="-211680">
               <a:lnSpc>
                 <a:spcPct val="100000"/>
               </a:lnSpc>
@@ -22559,7 +22378,7 @@
             </a:endParaRPr>
           </a:p>
           <a:p>
-            <a:pPr marL="216000" indent="-212040">
+            <a:pPr marL="216000" indent="-211680">
               <a:lnSpc>
                 <a:spcPct val="100000"/>
               </a:lnSpc>
@@ -22591,7 +22410,7 @@
             </a:endParaRPr>
           </a:p>
           <a:p>
-            <a:pPr marL="216000" indent="-212040">
+            <a:pPr marL="216000" indent="-211680">
               <a:lnSpc>
                 <a:spcPct val="100000"/>
               </a:lnSpc>
@@ -22623,7 +22442,7 @@
             </a:endParaRPr>
           </a:p>
           <a:p>
-            <a:pPr lvl="2" marL="648000" indent="-215640">
+            <a:pPr lvl="2" marL="648000" indent="-215280">
               <a:lnSpc>
                 <a:spcPct val="100000"/>
               </a:lnSpc>
@@ -22655,7 +22474,7 @@
             </a:endParaRPr>
           </a:p>
           <a:p>
-            <a:pPr lvl="2" marL="648000" indent="-215640">
+            <a:pPr lvl="2" marL="648000" indent="-215280">
               <a:lnSpc>
                 <a:spcPct val="100000"/>
               </a:lnSpc>
@@ -22770,7 +22589,7 @@
         <p:spPr>
           <a:xfrm>
             <a:off x="4393800" y="2595600"/>
-            <a:ext cx="4197600" cy="877680"/>
+            <a:ext cx="4197240" cy="877320"/>
           </a:xfrm>
           <a:prstGeom prst="rect">
             <a:avLst/>
@@ -22789,7 +22608,7 @@
         <p:spPr>
           <a:xfrm>
             <a:off x="365760" y="274320"/>
-            <a:ext cx="8317080" cy="815040"/>
+            <a:ext cx="8316720" cy="814680"/>
           </a:xfrm>
           <a:prstGeom prst="rect">
             <a:avLst/>
@@ -22838,7 +22657,7 @@
         <p:spPr>
           <a:xfrm>
             <a:off x="457200" y="1005840"/>
-            <a:ext cx="8134200" cy="4404960"/>
+            <a:ext cx="8133840" cy="4404600"/>
           </a:xfrm>
           <a:prstGeom prst="rect">
             <a:avLst/>
@@ -23047,7 +22866,7 @@
             </a:endParaRPr>
           </a:p>
           <a:p>
-            <a:pPr marL="216000" indent="-212040">
+            <a:pPr marL="216000" indent="-211680">
               <a:lnSpc>
                 <a:spcPct val="100000"/>
               </a:lnSpc>
@@ -23099,7 +22918,7 @@
             </a:endParaRPr>
           </a:p>
           <a:p>
-            <a:pPr marL="216000" indent="-212040">
+            <a:pPr marL="216000" indent="-211680">
               <a:lnSpc>
                 <a:spcPct val="100000"/>
               </a:lnSpc>
@@ -23201,7 +23020,7 @@
             </a:endParaRPr>
           </a:p>
           <a:p>
-            <a:pPr marL="216000" indent="-212040">
+            <a:pPr marL="216000" indent="-211680">
               <a:lnSpc>
                 <a:spcPct val="100000"/>
               </a:lnSpc>
@@ -23233,7 +23052,7 @@
             </a:endParaRPr>
           </a:p>
           <a:p>
-            <a:pPr marL="216000" indent="-212040">
+            <a:pPr marL="216000" indent="-211680">
               <a:lnSpc>
                 <a:spcPct val="100000"/>
               </a:lnSpc>
@@ -23343,7 +23162,7 @@
         <p:spPr>
           <a:xfrm>
             <a:off x="6035040" y="3566160"/>
-            <a:ext cx="1368720" cy="363600"/>
+            <a:ext cx="1368360" cy="363240"/>
           </a:xfrm>
           <a:prstGeom prst="rect">
             <a:avLst/>
@@ -23392,7 +23211,7 @@
         <p:spPr>
           <a:xfrm>
             <a:off x="6127200" y="2377440"/>
-            <a:ext cx="911520" cy="255240"/>
+            <a:ext cx="911160" cy="254880"/>
           </a:xfrm>
           <a:prstGeom prst="rect">
             <a:avLst/>
@@ -23445,7 +23264,7 @@
         <p:spPr>
           <a:xfrm>
             <a:off x="4389120" y="1564200"/>
-            <a:ext cx="4563360" cy="719640"/>
+            <a:ext cx="4563000" cy="719280"/>
           </a:xfrm>
           <a:prstGeom prst="rect">
             <a:avLst/>
@@ -23468,7 +23287,7 @@
         <p:spPr>
           <a:xfrm>
             <a:off x="4389120" y="3931920"/>
-            <a:ext cx="4471920" cy="905040"/>
+            <a:ext cx="4471560" cy="904680"/>
           </a:xfrm>
           <a:prstGeom prst="rect">
             <a:avLst/>
@@ -23491,7 +23310,7 @@
         <p:spPr>
           <a:xfrm>
             <a:off x="4121280" y="5050080"/>
-            <a:ext cx="4654800" cy="799920"/>
+            <a:ext cx="4654440" cy="799560"/>
           </a:xfrm>
           <a:prstGeom prst="rect">
             <a:avLst/>
@@ -23510,7 +23329,7 @@
         <p:spPr>
           <a:xfrm>
             <a:off x="5943600" y="4754880"/>
-            <a:ext cx="1368720" cy="363600"/>
+            <a:ext cx="1368360" cy="363240"/>
           </a:xfrm>
           <a:prstGeom prst="rect">
             <a:avLst/>
@@ -23559,7 +23378,7 @@
         <p:spPr>
           <a:xfrm>
             <a:off x="6309360" y="5760720"/>
-            <a:ext cx="1368720" cy="363600"/>
+            <a:ext cx="1368360" cy="363240"/>
           </a:xfrm>
           <a:prstGeom prst="rect">
             <a:avLst/>
@@ -23661,7 +23480,7 @@
         <p:spPr>
           <a:xfrm>
             <a:off x="4663440" y="1836720"/>
-            <a:ext cx="4478400" cy="686520"/>
+            <a:ext cx="4478040" cy="686160"/>
           </a:xfrm>
           <a:prstGeom prst="rect">
             <a:avLst/>
@@ -23680,7 +23499,7 @@
         <p:spPr>
           <a:xfrm>
             <a:off x="365760" y="274320"/>
-            <a:ext cx="8317080" cy="815040"/>
+            <a:ext cx="8316720" cy="814680"/>
           </a:xfrm>
           <a:prstGeom prst="rect">
             <a:avLst/>
@@ -23729,7 +23548,7 @@
         <p:spPr>
           <a:xfrm>
             <a:off x="457200" y="1005840"/>
-            <a:ext cx="8134200" cy="4404960"/>
+            <a:ext cx="8133840" cy="4404600"/>
           </a:xfrm>
           <a:prstGeom prst="rect">
             <a:avLst/>
@@ -23784,7 +23603,7 @@
             </a:endParaRPr>
           </a:p>
           <a:p>
-            <a:pPr marL="216000" indent="-212040">
+            <a:pPr marL="216000" indent="-211680">
               <a:lnSpc>
                 <a:spcPct val="100000"/>
               </a:lnSpc>
@@ -23846,7 +23665,7 @@
             </a:endParaRPr>
           </a:p>
           <a:p>
-            <a:pPr marL="216000" indent="-212040">
+            <a:pPr marL="216000" indent="-211680">
               <a:lnSpc>
                 <a:spcPct val="100000"/>
               </a:lnSpc>
@@ -23878,7 +23697,7 @@
             </a:endParaRPr>
           </a:p>
           <a:p>
-            <a:pPr marL="216000" indent="-212040">
+            <a:pPr marL="216000" indent="-211680">
               <a:lnSpc>
                 <a:spcPct val="100000"/>
               </a:lnSpc>
@@ -23988,7 +23807,7 @@
             </a:endParaRPr>
           </a:p>
           <a:p>
-            <a:pPr marL="216000" indent="-212040">
+            <a:pPr marL="216000" indent="-211680">
               <a:lnSpc>
                 <a:spcPct val="100000"/>
               </a:lnSpc>
@@ -24024,7 +23843,7 @@
             </a:endParaRPr>
           </a:p>
           <a:p>
-            <a:pPr marL="216000" indent="-212040">
+            <a:pPr marL="216000" indent="-211680">
               <a:lnSpc>
                 <a:spcPct val="100000"/>
               </a:lnSpc>
@@ -24060,7 +23879,7 @@
             </a:endParaRPr>
           </a:p>
           <a:p>
-            <a:pPr marL="216000" indent="-212040">
+            <a:pPr marL="216000" indent="-211680">
               <a:lnSpc>
                 <a:spcPct val="100000"/>
               </a:lnSpc>
@@ -24092,7 +23911,7 @@
             </a:endParaRPr>
           </a:p>
           <a:p>
-            <a:pPr marL="216000" indent="-212040">
+            <a:pPr marL="216000" indent="-211680">
               <a:lnSpc>
                 <a:spcPct val="100000"/>
               </a:lnSpc>
@@ -24186,7 +24005,7 @@
         <p:spPr>
           <a:xfrm>
             <a:off x="6217920" y="2525400"/>
-            <a:ext cx="1368720" cy="517320"/>
+            <a:ext cx="1368360" cy="516960"/>
           </a:xfrm>
           <a:prstGeom prst="rect">
             <a:avLst/>
@@ -24239,7 +24058,7 @@
         <p:spPr>
           <a:xfrm>
             <a:off x="5584680" y="822960"/>
-            <a:ext cx="3647880" cy="1011600"/>
+            <a:ext cx="3647520" cy="1011240"/>
           </a:xfrm>
           <a:prstGeom prst="rect">
             <a:avLst/>
@@ -24258,7 +24077,7 @@
         <p:spPr>
           <a:xfrm>
             <a:off x="4846320" y="1249200"/>
-            <a:ext cx="911520" cy="255240"/>
+            <a:ext cx="911160" cy="254880"/>
           </a:xfrm>
           <a:prstGeom prst="rect">
             <a:avLst/>
@@ -24311,7 +24130,7 @@
         <p:spPr>
           <a:xfrm>
             <a:off x="5650920" y="2834640"/>
-            <a:ext cx="3400200" cy="943200"/>
+            <a:ext cx="3399840" cy="942840"/>
           </a:xfrm>
           <a:prstGeom prst="rect">
             <a:avLst/>
@@ -24330,7 +24149,7 @@
         <p:spPr>
           <a:xfrm>
             <a:off x="6583680" y="3779280"/>
-            <a:ext cx="1368720" cy="334440"/>
+            <a:ext cx="1368360" cy="334080"/>
           </a:xfrm>
           <a:prstGeom prst="rect">
             <a:avLst/>
@@ -24383,7 +24202,7 @@
         <p:spPr>
           <a:xfrm>
             <a:off x="4754880" y="4664160"/>
-            <a:ext cx="4390920" cy="820800"/>
+            <a:ext cx="4390560" cy="820440"/>
           </a:xfrm>
           <a:prstGeom prst="rect">
             <a:avLst/>
@@ -24402,7 +24221,7 @@
         <p:spPr>
           <a:xfrm>
             <a:off x="6676560" y="5485680"/>
-            <a:ext cx="1368720" cy="334440"/>
+            <a:ext cx="1368360" cy="334080"/>
           </a:xfrm>
           <a:prstGeom prst="rect">
             <a:avLst/>
@@ -24500,7 +24319,7 @@
         <p:spPr>
           <a:xfrm>
             <a:off x="365760" y="274320"/>
-            <a:ext cx="8317080" cy="815040"/>
+            <a:ext cx="8316720" cy="814680"/>
           </a:xfrm>
           <a:prstGeom prst="rect">
             <a:avLst/>
@@ -24549,7 +24368,7 @@
         <p:spPr>
           <a:xfrm>
             <a:off x="457200" y="1005840"/>
-            <a:ext cx="8134200" cy="4404960"/>
+            <a:ext cx="8133840" cy="4404600"/>
           </a:xfrm>
           <a:prstGeom prst="rect">
             <a:avLst/>
@@ -24604,7 +24423,7 @@
             </a:endParaRPr>
           </a:p>
           <a:p>
-            <a:pPr marL="216000" indent="-212040">
+            <a:pPr marL="216000" indent="-211680">
               <a:lnSpc>
                 <a:spcPct val="100000"/>
               </a:lnSpc>
@@ -24696,7 +24515,7 @@
             </a:endParaRPr>
           </a:p>
           <a:p>
-            <a:pPr marL="216000" indent="-212040">
+            <a:pPr marL="216000" indent="-211680">
               <a:lnSpc>
                 <a:spcPct val="100000"/>
               </a:lnSpc>
@@ -24728,7 +24547,7 @@
             </a:endParaRPr>
           </a:p>
           <a:p>
-            <a:pPr marL="216000" indent="-212040">
+            <a:pPr marL="216000" indent="-211680">
               <a:lnSpc>
                 <a:spcPct val="100000"/>
               </a:lnSpc>
@@ -24870,7 +24689,7 @@
         <p:spPr>
           <a:xfrm>
             <a:off x="6035040" y="3566160"/>
-            <a:ext cx="1368720" cy="363600"/>
+            <a:ext cx="1368360" cy="363240"/>
           </a:xfrm>
           <a:prstGeom prst="rect">
             <a:avLst/>
@@ -24919,7 +24738,7 @@
         <p:spPr>
           <a:xfrm>
             <a:off x="6127200" y="2377440"/>
-            <a:ext cx="911520" cy="255240"/>
+            <a:ext cx="911160" cy="254880"/>
           </a:xfrm>
           <a:prstGeom prst="rect">
             <a:avLst/>
@@ -24972,7 +24791,7 @@
         <p:spPr>
           <a:xfrm>
             <a:off x="4389120" y="1564200"/>
-            <a:ext cx="4563360" cy="719640"/>
+            <a:ext cx="4563000" cy="719280"/>
           </a:xfrm>
           <a:prstGeom prst="rect">
             <a:avLst/>
@@ -24995,7 +24814,7 @@
         <p:spPr>
           <a:xfrm>
             <a:off x="3505680" y="2656440"/>
-            <a:ext cx="5454000" cy="816840"/>
+            <a:ext cx="5453640" cy="816480"/>
           </a:xfrm>
           <a:prstGeom prst="rect">
             <a:avLst/>
@@ -25018,7 +24837,7 @@
         <p:spPr>
           <a:xfrm>
             <a:off x="4480560" y="3968640"/>
-            <a:ext cx="4570200" cy="1242000"/>
+            <a:ext cx="4569840" cy="1241640"/>
           </a:xfrm>
           <a:prstGeom prst="rect">
             <a:avLst/>
@@ -25037,7 +24856,7 @@
         <p:spPr>
           <a:xfrm>
             <a:off x="6309360" y="5304240"/>
-            <a:ext cx="1368720" cy="363600"/>
+            <a:ext cx="1368360" cy="363240"/>
           </a:xfrm>
           <a:prstGeom prst="rect">
             <a:avLst/>
@@ -25139,7 +24958,7 @@
         <p:spPr>
           <a:xfrm>
             <a:off x="4439880" y="2013120"/>
-            <a:ext cx="4702680" cy="1278000"/>
+            <a:ext cx="4702320" cy="1277640"/>
           </a:xfrm>
           <a:prstGeom prst="rect">
             <a:avLst/>
@@ -25158,7 +24977,7 @@
         <p:spPr>
           <a:xfrm>
             <a:off x="368280" y="182880"/>
-            <a:ext cx="8317080" cy="815040"/>
+            <a:ext cx="8316720" cy="814680"/>
           </a:xfrm>
           <a:prstGeom prst="rect">
             <a:avLst/>
@@ -25217,7 +25036,7 @@
         <p:spPr>
           <a:xfrm>
             <a:off x="457200" y="1005840"/>
-            <a:ext cx="8134200" cy="4404960"/>
+            <a:ext cx="8133840" cy="4404600"/>
           </a:xfrm>
           <a:prstGeom prst="rect">
             <a:avLst/>
@@ -25236,7 +25055,7 @@
         <p:txBody>
           <a:bodyPr lIns="90000" rIns="90000" tIns="45000" bIns="45000"/>
           <a:p>
-            <a:pPr marL="216000" indent="-212040">
+            <a:pPr marL="216000" indent="-211680">
               <a:lnSpc>
                 <a:spcPct val="100000"/>
               </a:lnSpc>
@@ -25380,7 +25199,7 @@
             </a:endParaRPr>
           </a:p>
           <a:p>
-            <a:pPr marL="216000" indent="-212040">
+            <a:pPr marL="216000" indent="-211680">
               <a:lnSpc>
                 <a:spcPct val="100000"/>
               </a:lnSpc>
@@ -25790,7 +25609,7 @@
         <p:spPr>
           <a:xfrm>
             <a:off x="6402240" y="1721880"/>
-            <a:ext cx="911520" cy="255240"/>
+            <a:ext cx="911160" cy="254880"/>
           </a:xfrm>
           <a:prstGeom prst="rect">
             <a:avLst/>
@@ -25843,7 +25662,7 @@
         <p:spPr>
           <a:xfrm>
             <a:off x="4754880" y="914400"/>
-            <a:ext cx="4387680" cy="806040"/>
+            <a:ext cx="4387320" cy="805680"/>
           </a:xfrm>
           <a:prstGeom prst="rect">
             <a:avLst/>
@@ -25862,7 +25681,7 @@
         <p:spPr>
           <a:xfrm>
             <a:off x="7316640" y="3218040"/>
-            <a:ext cx="911520" cy="255240"/>
+            <a:ext cx="911160" cy="254880"/>
           </a:xfrm>
           <a:prstGeom prst="rect">
             <a:avLst/>
@@ -25911,7 +25730,7 @@
         <p:spPr>
           <a:xfrm>
             <a:off x="6949440" y="5595480"/>
-            <a:ext cx="911520" cy="255240"/>
+            <a:ext cx="911160" cy="254880"/>
           </a:xfrm>
           <a:prstGeom prst="rect">
             <a:avLst/>
@@ -25964,7 +25783,7 @@
         <p:spPr>
           <a:xfrm>
             <a:off x="4378320" y="3657600"/>
-            <a:ext cx="4764240" cy="1918800"/>
+            <a:ext cx="4763880" cy="1918440"/>
           </a:xfrm>
           <a:prstGeom prst="rect">
             <a:avLst/>
@@ -26032,7 +25851,7 @@
         <p:spPr>
           <a:xfrm>
             <a:off x="365760" y="274320"/>
-            <a:ext cx="8317080" cy="815040"/>
+            <a:ext cx="8316720" cy="814680"/>
           </a:xfrm>
           <a:prstGeom prst="rect">
             <a:avLst/>
@@ -26081,7 +25900,7 @@
         <p:spPr>
           <a:xfrm>
             <a:off x="457200" y="1005840"/>
-            <a:ext cx="8134200" cy="4404960"/>
+            <a:ext cx="8133840" cy="4404600"/>
           </a:xfrm>
           <a:prstGeom prst="rect">
             <a:avLst/>
@@ -26100,7 +25919,7 @@
         <p:txBody>
           <a:bodyPr lIns="90000" rIns="90000" tIns="45000" bIns="45000"/>
           <a:p>
-            <a:pPr marL="216000" indent="-212040">
+            <a:pPr marL="216000" indent="-211680">
               <a:lnSpc>
                 <a:spcPct val="100000"/>
               </a:lnSpc>
@@ -26168,7 +25987,7 @@
             </a:endParaRPr>
           </a:p>
           <a:p>
-            <a:pPr marL="216000" indent="-212040">
+            <a:pPr marL="216000" indent="-211680">
               <a:lnSpc>
                 <a:spcPct val="100000"/>
               </a:lnSpc>
@@ -26200,7 +26019,7 @@
             </a:endParaRPr>
           </a:p>
           <a:p>
-            <a:pPr marL="216000" indent="-212040">
+            <a:pPr marL="216000" indent="-211680">
               <a:lnSpc>
                 <a:spcPct val="100000"/>
               </a:lnSpc>
@@ -26434,7 +26253,7 @@
         <p:spPr>
           <a:xfrm>
             <a:off x="4755240" y="2651760"/>
-            <a:ext cx="1003680" cy="272160"/>
+            <a:ext cx="1003320" cy="271800"/>
           </a:xfrm>
           <a:prstGeom prst="rect">
             <a:avLst/>
@@ -26483,7 +26302,7 @@
         <p:spPr>
           <a:xfrm>
             <a:off x="4846320" y="1249200"/>
-            <a:ext cx="911520" cy="255240"/>
+            <a:ext cx="911160" cy="254880"/>
           </a:xfrm>
           <a:prstGeom prst="rect">
             <a:avLst/>
@@ -26532,7 +26351,7 @@
         <p:spPr>
           <a:xfrm>
             <a:off x="6675120" y="4663800"/>
-            <a:ext cx="1003680" cy="272160"/>
+            <a:ext cx="1003320" cy="271800"/>
           </a:xfrm>
           <a:prstGeom prst="rect">
             <a:avLst/>
@@ -26585,7 +26404,7 @@
         <p:spPr>
           <a:xfrm>
             <a:off x="5577840" y="837000"/>
-            <a:ext cx="3129840" cy="1081440"/>
+            <a:ext cx="3129480" cy="1081080"/>
           </a:xfrm>
           <a:prstGeom prst="rect">
             <a:avLst/>
@@ -26608,7 +26427,7 @@
         <p:spPr>
           <a:xfrm>
             <a:off x="5669280" y="1915920"/>
-            <a:ext cx="2832840" cy="1465560"/>
+            <a:ext cx="2832480" cy="1465200"/>
           </a:xfrm>
           <a:prstGeom prst="rect">
             <a:avLst/>
@@ -26631,7 +26450,7 @@
         <p:spPr>
           <a:xfrm>
             <a:off x="5261040" y="3383280"/>
-            <a:ext cx="3789720" cy="1276560"/>
+            <a:ext cx="3789360" cy="1276200"/>
           </a:xfrm>
           <a:prstGeom prst="rect">
             <a:avLst/>
@@ -26654,7 +26473,7 @@
         <p:spPr>
           <a:xfrm>
             <a:off x="383400" y="4887000"/>
-            <a:ext cx="3912480" cy="871920"/>
+            <a:ext cx="3912120" cy="871560"/>
           </a:xfrm>
           <a:prstGeom prst="rect">
             <a:avLst/>
@@ -26673,7 +26492,7 @@
         <p:spPr>
           <a:xfrm>
             <a:off x="1371960" y="5760720"/>
-            <a:ext cx="1003680" cy="272160"/>
+            <a:ext cx="1003320" cy="271800"/>
           </a:xfrm>
           <a:prstGeom prst="rect">
             <a:avLst/>
@@ -26726,7 +26545,7 @@
         <p:spPr>
           <a:xfrm>
             <a:off x="4926960" y="4937760"/>
-            <a:ext cx="3758040" cy="883440"/>
+            <a:ext cx="3757680" cy="883080"/>
           </a:xfrm>
           <a:prstGeom prst="rect">
             <a:avLst/>
@@ -26745,7 +26564,7 @@
         <p:spPr>
           <a:xfrm>
             <a:off x="5852160" y="5761080"/>
-            <a:ext cx="1003680" cy="272160"/>
+            <a:ext cx="1003320" cy="271800"/>
           </a:xfrm>
           <a:prstGeom prst="rect">
             <a:avLst/>
@@ -26843,7 +26662,7 @@
         <p:spPr>
           <a:xfrm>
             <a:off x="365760" y="274320"/>
-            <a:ext cx="8317080" cy="815040"/>
+            <a:ext cx="8316720" cy="814680"/>
           </a:xfrm>
           <a:prstGeom prst="rect">
             <a:avLst/>
@@ -26875,7 +26694,7 @@
                 <a:latin typeface="Times New Roman"/>
                 <a:ea typeface="DejaVu Sans"/>
               </a:rPr>
-              <a:t>Simple Baseline Experiments – sequence </a:t>
+              <a:t>Simple Baseline Experiments – xor </a:t>
             </a:r>
             <a:endParaRPr b="0" lang="en-US" sz="3200" spc="-1" strike="noStrike">
               <a:latin typeface="Arial"/>
@@ -26892,7 +26711,7 @@
         <p:spPr>
           <a:xfrm>
             <a:off x="457200" y="1005840"/>
-            <a:ext cx="8134200" cy="4404960"/>
+            <a:ext cx="8133840" cy="4404600"/>
           </a:xfrm>
           <a:prstGeom prst="rect">
             <a:avLst/>
@@ -26911,7 +26730,7 @@
         <p:txBody>
           <a:bodyPr lIns="90000" rIns="90000" tIns="45000" bIns="45000"/>
           <a:p>
-            <a:pPr marL="216000" indent="-212040">
+            <a:pPr marL="216000" indent="-211680">
               <a:lnSpc>
                 <a:spcPct val="100000"/>
               </a:lnSpc>
@@ -26979,7 +26798,7 @@
             </a:endParaRPr>
           </a:p>
           <a:p>
-            <a:pPr marL="216000" indent="-212040">
+            <a:pPr marL="216000" indent="-211680">
               <a:lnSpc>
                 <a:spcPct val="100000"/>
               </a:lnSpc>
@@ -27011,7 +26830,7 @@
             </a:endParaRPr>
           </a:p>
           <a:p>
-            <a:pPr marL="216000" indent="-212040">
+            <a:pPr marL="216000" indent="-211680">
               <a:lnSpc>
                 <a:spcPct val="100000"/>
               </a:lnSpc>
@@ -27251,7 +27070,7 @@
         <p:spPr>
           <a:xfrm>
             <a:off x="6217920" y="2560320"/>
-            <a:ext cx="1003680" cy="272160"/>
+            <a:ext cx="1003320" cy="271800"/>
           </a:xfrm>
           <a:prstGeom prst="rect">
             <a:avLst/>
@@ -27300,7 +27119,7 @@
         <p:spPr>
           <a:xfrm>
             <a:off x="4846320" y="1249200"/>
-            <a:ext cx="911520" cy="255240"/>
+            <a:ext cx="911160" cy="254880"/>
           </a:xfrm>
           <a:prstGeom prst="rect">
             <a:avLst/>
@@ -27349,7 +27168,7 @@
         <p:spPr>
           <a:xfrm>
             <a:off x="6675120" y="4206600"/>
-            <a:ext cx="1003680" cy="272160"/>
+            <a:ext cx="1003320" cy="271800"/>
           </a:xfrm>
           <a:prstGeom prst="rect">
             <a:avLst/>
@@ -27402,7 +27221,7 @@
         <p:spPr>
           <a:xfrm>
             <a:off x="5578200" y="837360"/>
-            <a:ext cx="3129840" cy="1081440"/>
+            <a:ext cx="3129480" cy="1081080"/>
           </a:xfrm>
           <a:prstGeom prst="rect">
             <a:avLst/>
@@ -27425,7 +27244,7 @@
         <p:spPr>
           <a:xfrm>
             <a:off x="4480560" y="1920240"/>
-            <a:ext cx="4581720" cy="657000"/>
+            <a:ext cx="4581360" cy="656640"/>
           </a:xfrm>
           <a:prstGeom prst="rect">
             <a:avLst/>
@@ -27448,7 +27267,7 @@
         <p:spPr>
           <a:xfrm>
             <a:off x="5303520" y="3008520"/>
-            <a:ext cx="3775320" cy="1195920"/>
+            <a:ext cx="3774960" cy="1195560"/>
           </a:xfrm>
           <a:prstGeom prst="rect">
             <a:avLst/>
@@ -27471,7 +27290,7 @@
         <p:spPr>
           <a:xfrm>
             <a:off x="5303520" y="4550760"/>
-            <a:ext cx="4021560" cy="933840"/>
+            <a:ext cx="4021200" cy="933480"/>
           </a:xfrm>
           <a:prstGeom prst="rect">
             <a:avLst/>
@@ -27490,7 +27309,7 @@
         <p:spPr>
           <a:xfrm>
             <a:off x="6675480" y="5577840"/>
-            <a:ext cx="1003680" cy="272160"/>
+            <a:ext cx="1003320" cy="271800"/>
           </a:xfrm>
           <a:prstGeom prst="rect">
             <a:avLst/>
@@ -27588,7 +27407,7 @@
         <p:spPr>
           <a:xfrm>
             <a:off x="365760" y="274320"/>
-            <a:ext cx="8317080" cy="815040"/>
+            <a:ext cx="8316720" cy="814680"/>
           </a:xfrm>
           <a:prstGeom prst="rect">
             <a:avLst/>
@@ -27620,7 +27439,7 @@
                 <a:latin typeface="Times New Roman"/>
                 <a:ea typeface="DejaVu Sans"/>
               </a:rPr>
-              <a:t>Simple Baseline Experiments – sequence </a:t>
+              <a:t>Simple Baseline Experiments – xor</a:t>
             </a:r>
             <a:endParaRPr b="0" lang="en-US" sz="3200" spc="-1" strike="noStrike">
               <a:latin typeface="Arial"/>
@@ -27641,7 +27460,7 @@
         <p:spPr>
           <a:xfrm>
             <a:off x="5118480" y="4572000"/>
-            <a:ext cx="3932280" cy="912600"/>
+            <a:ext cx="3931920" cy="912240"/>
           </a:xfrm>
           <a:prstGeom prst="rect">
             <a:avLst/>
@@ -27660,7 +27479,7 @@
         <p:spPr>
           <a:xfrm>
             <a:off x="457200" y="1005840"/>
-            <a:ext cx="8134200" cy="4404960"/>
+            <a:ext cx="8133840" cy="4404600"/>
           </a:xfrm>
           <a:prstGeom prst="rect">
             <a:avLst/>
@@ -27735,7 +27554,7 @@
             </a:endParaRPr>
           </a:p>
           <a:p>
-            <a:pPr marL="216000" indent="-212040">
+            <a:pPr marL="216000" indent="-211680">
               <a:lnSpc>
                 <a:spcPct val="100000"/>
               </a:lnSpc>
@@ -27767,7 +27586,7 @@
             </a:endParaRPr>
           </a:p>
           <a:p>
-            <a:pPr marL="216000" indent="-212040">
+            <a:pPr marL="216000" indent="-211680">
               <a:lnSpc>
                 <a:spcPct val="100000"/>
               </a:lnSpc>
@@ -28007,7 +27826,7 @@
         <p:spPr>
           <a:xfrm>
             <a:off x="6217920" y="2560320"/>
-            <a:ext cx="1003680" cy="272160"/>
+            <a:ext cx="1003320" cy="271800"/>
           </a:xfrm>
           <a:prstGeom prst="rect">
             <a:avLst/>
@@ -28056,7 +27875,7 @@
         <p:spPr>
           <a:xfrm>
             <a:off x="4846320" y="1249200"/>
-            <a:ext cx="911520" cy="255240"/>
+            <a:ext cx="911160" cy="254880"/>
           </a:xfrm>
           <a:prstGeom prst="rect">
             <a:avLst/>
@@ -28105,7 +27924,7 @@
         <p:spPr>
           <a:xfrm>
             <a:off x="6675120" y="4206600"/>
-            <a:ext cx="1003680" cy="272160"/>
+            <a:ext cx="1003320" cy="271800"/>
           </a:xfrm>
           <a:prstGeom prst="rect">
             <a:avLst/>
@@ -28158,7 +27977,7 @@
         <p:spPr>
           <a:xfrm>
             <a:off x="5578200" y="837360"/>
-            <a:ext cx="3129840" cy="1081440"/>
+            <a:ext cx="3129480" cy="1081080"/>
           </a:xfrm>
           <a:prstGeom prst="rect">
             <a:avLst/>
@@ -28177,7 +27996,7 @@
         <p:spPr>
           <a:xfrm>
             <a:off x="6675480" y="5577840"/>
-            <a:ext cx="1003680" cy="272160"/>
+            <a:ext cx="1003320" cy="271800"/>
           </a:xfrm>
           <a:prstGeom prst="rect">
             <a:avLst/>
@@ -28230,7 +28049,7 @@
         <p:spPr>
           <a:xfrm>
             <a:off x="4389120" y="1920240"/>
-            <a:ext cx="4753080" cy="557640"/>
+            <a:ext cx="4752720" cy="557280"/>
           </a:xfrm>
           <a:prstGeom prst="rect">
             <a:avLst/>
@@ -28253,7 +28072,7 @@
         <p:spPr>
           <a:xfrm>
             <a:off x="5577840" y="2837520"/>
-            <a:ext cx="3290040" cy="1366920"/>
+            <a:ext cx="3289680" cy="1366560"/>
           </a:xfrm>
           <a:prstGeom prst="rect">
             <a:avLst/>
@@ -28321,7 +28140,7 @@
         <p:spPr>
           <a:xfrm>
             <a:off x="365760" y="274320"/>
-            <a:ext cx="6396840" cy="450720"/>
+            <a:ext cx="6396480" cy="450360"/>
           </a:xfrm>
           <a:prstGeom prst="rect">
             <a:avLst/>
@@ -28380,7 +28199,7 @@
         <p:spPr>
           <a:xfrm>
             <a:off x="642960" y="1010520"/>
-            <a:ext cx="8134200" cy="5663520"/>
+            <a:ext cx="8133840" cy="5663160"/>
           </a:xfrm>
           <a:prstGeom prst="rect">
             <a:avLst/>
@@ -28399,7 +28218,7 @@
         <p:txBody>
           <a:bodyPr lIns="90000" rIns="90000" tIns="45000" bIns="45000"/>
           <a:p>
-            <a:pPr marL="216000" indent="-212040">
+            <a:pPr marL="216000" indent="-211680">
               <a:lnSpc>
                 <a:spcPct val="100000"/>
               </a:lnSpc>
@@ -28517,7 +28336,7 @@
             </a:endParaRPr>
           </a:p>
           <a:p>
-            <a:pPr marL="216000" indent="-214920">
+            <a:pPr marL="216000" indent="-214560">
               <a:lnSpc>
                 <a:spcPct val="100000"/>
               </a:lnSpc>
@@ -28543,7 +28362,7 @@
             </a:endParaRPr>
           </a:p>
           <a:p>
-            <a:pPr marL="216000" indent="-214920">
+            <a:pPr marL="216000" indent="-214560">
               <a:lnSpc>
                 <a:spcPct val="100000"/>
               </a:lnSpc>
@@ -28569,7 +28388,7 @@
             </a:endParaRPr>
           </a:p>
           <a:p>
-            <a:pPr marL="216000" indent="-214920">
+            <a:pPr marL="216000" indent="-214560">
               <a:lnSpc>
                 <a:spcPct val="100000"/>
               </a:lnSpc>
@@ -28595,7 +28414,7 @@
             </a:endParaRPr>
           </a:p>
           <a:p>
-            <a:pPr marL="216000" indent="-214920">
+            <a:pPr marL="216000" indent="-214560">
               <a:lnSpc>
                 <a:spcPct val="100000"/>
               </a:lnSpc>
@@ -28631,7 +28450,7 @@
             </a:endParaRPr>
           </a:p>
           <a:p>
-            <a:pPr marL="216000" indent="-214920">
+            <a:pPr marL="216000" indent="-214560">
               <a:lnSpc>
                 <a:spcPct val="100000"/>
               </a:lnSpc>
@@ -28657,7 +28476,7 @@
             </a:endParaRPr>
           </a:p>
           <a:p>
-            <a:pPr marL="216000" indent="-214920">
+            <a:pPr marL="216000" indent="-214560">
               <a:lnSpc>
                 <a:spcPct val="100000"/>
               </a:lnSpc>
@@ -28693,7 +28512,7 @@
             </a:endParaRPr>
           </a:p>
           <a:p>
-            <a:pPr marL="216000" indent="-214920">
+            <a:pPr marL="216000" indent="-214560">
               <a:lnSpc>
                 <a:spcPct val="100000"/>
               </a:lnSpc>
@@ -28719,7 +28538,7 @@
             </a:endParaRPr>
           </a:p>
           <a:p>
-            <a:pPr marL="216000" indent="-214920">
+            <a:pPr marL="216000" indent="-214560">
               <a:lnSpc>
                 <a:spcPct val="100000"/>
               </a:lnSpc>
@@ -28817,7 +28636,7 @@
             </a:endParaRPr>
           </a:p>
           <a:p>
-            <a:pPr marL="216000" indent="-212040">
+            <a:pPr marL="216000" indent="-211680">
               <a:lnSpc>
                 <a:spcPct val="100000"/>
               </a:lnSpc>
@@ -28849,7 +28668,7 @@
             </a:endParaRPr>
           </a:p>
           <a:p>
-            <a:pPr lvl="2" marL="648000" indent="-212040">
+            <a:pPr lvl="2" marL="648000" indent="-211680">
               <a:lnSpc>
                 <a:spcPct val="100000"/>
               </a:lnSpc>
@@ -28881,7 +28700,7 @@
             </a:endParaRPr>
           </a:p>
           <a:p>
-            <a:pPr lvl="2" marL="648000" indent="-212040">
+            <a:pPr lvl="2" marL="648000" indent="-211680">
               <a:lnSpc>
                 <a:spcPct val="100000"/>
               </a:lnSpc>
@@ -28982,7 +28801,7 @@
         <p:spPr>
           <a:xfrm>
             <a:off x="365760" y="274320"/>
-            <a:ext cx="6396840" cy="450720"/>
+            <a:ext cx="6396480" cy="450360"/>
           </a:xfrm>
           <a:prstGeom prst="rect">
             <a:avLst/>
@@ -29041,7 +28860,7 @@
         <p:spPr>
           <a:xfrm>
             <a:off x="642960" y="1010520"/>
-            <a:ext cx="8134200" cy="5663520"/>
+            <a:ext cx="8133840" cy="5663160"/>
           </a:xfrm>
           <a:prstGeom prst="rect">
             <a:avLst/>
@@ -29060,7 +28879,7 @@
         <p:txBody>
           <a:bodyPr lIns="90000" rIns="90000" tIns="45000" bIns="45000"/>
           <a:p>
-            <a:pPr marL="216000" indent="-212040">
+            <a:pPr marL="216000" indent="-211680">
               <a:lnSpc>
                 <a:spcPct val="100000"/>
               </a:lnSpc>
@@ -29144,7 +28963,7 @@
             </a:endParaRPr>
           </a:p>
           <a:p>
-            <a:pPr marL="216000" indent="-214920">
+            <a:pPr marL="216000" indent="-214560">
               <a:lnSpc>
                 <a:spcPct val="100000"/>
               </a:lnSpc>
@@ -29170,7 +28989,7 @@
             </a:endParaRPr>
           </a:p>
           <a:p>
-            <a:pPr marL="216000" indent="-214920">
+            <a:pPr marL="216000" indent="-214560">
               <a:lnSpc>
                 <a:spcPct val="100000"/>
               </a:lnSpc>
@@ -29196,7 +29015,7 @@
             </a:endParaRPr>
           </a:p>
           <a:p>
-            <a:pPr marL="216000" indent="-214920">
+            <a:pPr marL="216000" indent="-214560">
               <a:lnSpc>
                 <a:spcPct val="100000"/>
               </a:lnSpc>
@@ -29222,7 +29041,7 @@
             </a:endParaRPr>
           </a:p>
           <a:p>
-            <a:pPr marL="216000" indent="-214920">
+            <a:pPr marL="216000" indent="-214560">
               <a:lnSpc>
                 <a:spcPct val="100000"/>
               </a:lnSpc>
@@ -29248,7 +29067,7 @@
             </a:endParaRPr>
           </a:p>
           <a:p>
-            <a:pPr marL="216000" indent="-214920">
+            <a:pPr marL="216000" indent="-214560">
               <a:lnSpc>
                 <a:spcPct val="100000"/>
               </a:lnSpc>
@@ -29274,7 +29093,7 @@
             </a:endParaRPr>
           </a:p>
           <a:p>
-            <a:pPr marL="216000" indent="-214920">
+            <a:pPr marL="216000" indent="-214560">
               <a:lnSpc>
                 <a:spcPct val="100000"/>
               </a:lnSpc>
@@ -29300,7 +29119,7 @@
             </a:endParaRPr>
           </a:p>
           <a:p>
-            <a:pPr marL="216000" indent="-214920">
+            <a:pPr marL="216000" indent="-214560">
               <a:lnSpc>
                 <a:spcPct val="100000"/>
               </a:lnSpc>
@@ -29326,7 +29145,7 @@
             </a:endParaRPr>
           </a:p>
           <a:p>
-            <a:pPr marL="216000" indent="-214920">
+            <a:pPr marL="216000" indent="-214560">
               <a:lnSpc>
                 <a:spcPct val="100000"/>
               </a:lnSpc>
@@ -29352,7 +29171,7 @@
             </a:endParaRPr>
           </a:p>
           <a:p>
-            <a:pPr marL="216000" indent="-214920">
+            <a:pPr marL="216000" indent="-214560">
               <a:lnSpc>
                 <a:spcPct val="100000"/>
               </a:lnSpc>
@@ -29378,7 +29197,7 @@
             </a:endParaRPr>
           </a:p>
           <a:p>
-            <a:pPr marL="216000" indent="-214920">
+            <a:pPr marL="216000" indent="-214560">
               <a:lnSpc>
                 <a:spcPct val="100000"/>
               </a:lnSpc>
@@ -29404,7 +29223,7 @@
             </a:endParaRPr>
           </a:p>
           <a:p>
-            <a:pPr marL="216000" indent="-214920">
+            <a:pPr marL="216000" indent="-214560">
               <a:lnSpc>
                 <a:spcPct val="100000"/>
               </a:lnSpc>
@@ -29502,7 +29321,7 @@
             </a:endParaRPr>
           </a:p>
           <a:p>
-            <a:pPr marL="216000" indent="-212040">
+            <a:pPr marL="216000" indent="-211680">
               <a:lnSpc>
                 <a:spcPct val="100000"/>
               </a:lnSpc>
@@ -29534,7 +29353,7 @@
             </a:endParaRPr>
           </a:p>
           <a:p>
-            <a:pPr lvl="2" marL="648000" indent="-212040">
+            <a:pPr lvl="2" marL="648000" indent="-211680">
               <a:lnSpc>
                 <a:spcPct val="100000"/>
               </a:lnSpc>
@@ -29566,7 +29385,7 @@
             </a:endParaRPr>
           </a:p>
           <a:p>
-            <a:pPr lvl="2" marL="648000" indent="-212040">
+            <a:pPr lvl="2" marL="648000" indent="-211680">
               <a:lnSpc>
                 <a:spcPct val="100000"/>
               </a:lnSpc>
@@ -29667,7 +29486,7 @@
         <p:spPr>
           <a:xfrm>
             <a:off x="365760" y="274320"/>
-            <a:ext cx="6396840" cy="450720"/>
+            <a:ext cx="6396480" cy="450360"/>
           </a:xfrm>
           <a:prstGeom prst="rect">
             <a:avLst/>
@@ -29716,7 +29535,7 @@
         <p:spPr>
           <a:xfrm>
             <a:off x="457200" y="1005840"/>
-            <a:ext cx="8134200" cy="5663520"/>
+            <a:ext cx="8133840" cy="5663160"/>
           </a:xfrm>
           <a:prstGeom prst="rect">
             <a:avLst/>
@@ -29735,7 +29554,7 @@
         <p:txBody>
           <a:bodyPr lIns="90000" rIns="90000" tIns="45000" bIns="45000"/>
           <a:p>
-            <a:pPr marL="216000" indent="-212040">
+            <a:pPr marL="216000" indent="-211680">
               <a:lnSpc>
                 <a:spcPct val="100000"/>
               </a:lnSpc>
@@ -29767,7 +29586,7 @@
             </a:endParaRPr>
           </a:p>
           <a:p>
-            <a:pPr marL="216000" indent="-212040">
+            <a:pPr marL="216000" indent="-211680">
               <a:lnSpc>
                 <a:spcPct val="100000"/>
               </a:lnSpc>
@@ -29799,7 +29618,7 @@
             </a:endParaRPr>
           </a:p>
           <a:p>
-            <a:pPr marL="216000" indent="-212040">
+            <a:pPr marL="216000" indent="-211680">
               <a:lnSpc>
                 <a:spcPct val="100000"/>
               </a:lnSpc>
@@ -29831,7 +29650,7 @@
             </a:endParaRPr>
           </a:p>
           <a:p>
-            <a:pPr marL="216000" indent="-212040">
+            <a:pPr marL="216000" indent="-211680">
               <a:lnSpc>
                 <a:spcPct val="100000"/>
               </a:lnSpc>
@@ -29863,7 +29682,7 @@
             </a:endParaRPr>
           </a:p>
           <a:p>
-            <a:pPr marL="216000" indent="-212040">
+            <a:pPr marL="216000" indent="-211680">
               <a:lnSpc>
                 <a:spcPct val="100000"/>
               </a:lnSpc>
@@ -29911,7 +29730,7 @@
             </a:endParaRPr>
           </a:p>
           <a:p>
-            <a:pPr marL="216000" indent="-212040">
+            <a:pPr marL="216000" indent="-211680">
               <a:lnSpc>
                 <a:spcPct val="100000"/>
               </a:lnSpc>
@@ -30012,7 +29831,7 @@
         <p:spPr>
           <a:xfrm>
             <a:off x="365760" y="274320"/>
-            <a:ext cx="6396840" cy="450720"/>
+            <a:ext cx="6396480" cy="450360"/>
           </a:xfrm>
           <a:prstGeom prst="rect">
             <a:avLst/>
@@ -30061,7 +29880,7 @@
         <p:spPr>
           <a:xfrm>
             <a:off x="182880" y="1005840"/>
-            <a:ext cx="8134200" cy="3212640"/>
+            <a:ext cx="8133840" cy="3212280"/>
           </a:xfrm>
           <a:prstGeom prst="rect">
             <a:avLst/>
@@ -30080,7 +29899,7 @@
         <p:txBody>
           <a:bodyPr lIns="90000" rIns="90000" tIns="45000" bIns="45000" anchor="ctr"/>
           <a:p>
-            <a:pPr marL="216000" indent="-212040">
+            <a:pPr marL="216000" indent="-211680">
               <a:lnSpc>
                 <a:spcPct val="100000"/>
               </a:lnSpc>
@@ -30112,7 +29931,7 @@
             </a:endParaRPr>
           </a:p>
           <a:p>
-            <a:pPr lvl="2" marL="648000" indent="-212040">
+            <a:pPr lvl="2" marL="648000" indent="-211680">
               <a:lnSpc>
                 <a:spcPct val="100000"/>
               </a:lnSpc>
@@ -30144,7 +29963,7 @@
             </a:endParaRPr>
           </a:p>
           <a:p>
-            <a:pPr lvl="2" marL="648000" indent="-212040">
+            <a:pPr lvl="2" marL="648000" indent="-211680">
               <a:lnSpc>
                 <a:spcPct val="100000"/>
               </a:lnSpc>
@@ -30176,7 +29995,7 @@
             </a:endParaRPr>
           </a:p>
           <a:p>
-            <a:pPr marL="216000" indent="-212040">
+            <a:pPr marL="216000" indent="-211680">
               <a:lnSpc>
                 <a:spcPct val="100000"/>
               </a:lnSpc>
@@ -30208,7 +30027,7 @@
             </a:endParaRPr>
           </a:p>
           <a:p>
-            <a:pPr lvl="2" marL="648000" indent="-212040">
+            <a:pPr lvl="2" marL="648000" indent="-211680">
               <a:lnSpc>
                 <a:spcPct val="100000"/>
               </a:lnSpc>
@@ -30274,7 +30093,7 @@
         <p:spPr>
           <a:xfrm>
             <a:off x="4114800" y="2926080"/>
-            <a:ext cx="4659480" cy="2737440"/>
+            <a:ext cx="4659120" cy="2737080"/>
           </a:xfrm>
           <a:prstGeom prst="rect">
             <a:avLst/>
@@ -30346,7 +30165,7 @@
         <p:spPr>
           <a:xfrm>
             <a:off x="1720800" y="1877760"/>
-            <a:ext cx="7422120" cy="1687320"/>
+            <a:ext cx="7421760" cy="1686960"/>
           </a:xfrm>
           <a:prstGeom prst="rect">
             <a:avLst/>
@@ -30365,7 +30184,7 @@
         <p:spPr>
           <a:xfrm>
             <a:off x="365760" y="274320"/>
-            <a:ext cx="8317080" cy="815040"/>
+            <a:ext cx="8316720" cy="814680"/>
           </a:xfrm>
           <a:prstGeom prst="rect">
             <a:avLst/>
@@ -30414,7 +30233,7 @@
         <p:spPr>
           <a:xfrm>
             <a:off x="457200" y="1005840"/>
-            <a:ext cx="8134200" cy="3643560"/>
+            <a:ext cx="8133840" cy="3643200"/>
           </a:xfrm>
           <a:prstGeom prst="rect">
             <a:avLst/>
@@ -30433,7 +30252,7 @@
         <p:txBody>
           <a:bodyPr lIns="90000" rIns="90000" tIns="45000" bIns="45000"/>
           <a:p>
-            <a:pPr marL="216000" indent="-212040">
+            <a:pPr marL="216000" indent="-211680">
               <a:lnSpc>
                 <a:spcPct val="100000"/>
               </a:lnSpc>
@@ -30465,7 +30284,7 @@
             </a:endParaRPr>
           </a:p>
           <a:p>
-            <a:pPr marL="216000" indent="-212040">
+            <a:pPr marL="216000" indent="-211680">
               <a:lnSpc>
                 <a:spcPct val="100000"/>
               </a:lnSpc>
@@ -30497,7 +30316,7 @@
             </a:endParaRPr>
           </a:p>
           <a:p>
-            <a:pPr marL="216000" indent="-212040">
+            <a:pPr marL="216000" indent="-211680">
               <a:lnSpc>
                 <a:spcPct val="100000"/>
               </a:lnSpc>
@@ -30649,7 +30468,7 @@
             </a:endParaRPr>
           </a:p>
           <a:p>
-            <a:pPr marL="216000" indent="-212040">
+            <a:pPr marL="216000" indent="-211680">
               <a:lnSpc>
                 <a:spcPct val="100000"/>
               </a:lnSpc>
@@ -30749,7 +30568,7 @@
             </a:endParaRPr>
           </a:p>
           <a:p>
-            <a:pPr marL="216000" indent="-212040">
+            <a:pPr marL="216000" indent="-211680">
               <a:lnSpc>
                 <a:spcPct val="100000"/>
               </a:lnSpc>
@@ -30892,7 +30711,7 @@
         <p:spPr>
           <a:xfrm>
             <a:off x="365760" y="274320"/>
-            <a:ext cx="6396840" cy="450720"/>
+            <a:ext cx="6396480" cy="450360"/>
           </a:xfrm>
           <a:prstGeom prst="rect">
             <a:avLst/>
@@ -30941,7 +30760,7 @@
         <p:spPr>
           <a:xfrm>
             <a:off x="457200" y="1005840"/>
-            <a:ext cx="8134200" cy="4485960"/>
+            <a:ext cx="8133840" cy="4485600"/>
           </a:xfrm>
           <a:prstGeom prst="rect">
             <a:avLst/>
@@ -30960,7 +30779,7 @@
         <p:txBody>
           <a:bodyPr lIns="90000" rIns="90000" tIns="45000" bIns="45000"/>
           <a:p>
-            <a:pPr marL="216000" indent="-212040">
+            <a:pPr marL="216000" indent="-211680">
               <a:lnSpc>
                 <a:spcPct val="100000"/>
               </a:lnSpc>
@@ -30992,7 +30811,7 @@
             </a:endParaRPr>
           </a:p>
           <a:p>
-            <a:pPr lvl="2" marL="648000" indent="-212040">
+            <a:pPr lvl="2" marL="648000" indent="-211680">
               <a:lnSpc>
                 <a:spcPct val="100000"/>
               </a:lnSpc>
@@ -31024,7 +30843,7 @@
             </a:endParaRPr>
           </a:p>
           <a:p>
-            <a:pPr lvl="2" marL="648000" indent="-212040">
+            <a:pPr lvl="2" marL="648000" indent="-211680">
               <a:lnSpc>
                 <a:spcPct val="100000"/>
               </a:lnSpc>
@@ -31082,7 +30901,7 @@
             </a:endParaRPr>
           </a:p>
           <a:p>
-            <a:pPr marL="216000" indent="-212040">
+            <a:pPr marL="216000" indent="-211680">
               <a:lnSpc>
                 <a:spcPct val="100000"/>
               </a:lnSpc>
@@ -31114,7 +30933,7 @@
             </a:endParaRPr>
           </a:p>
           <a:p>
-            <a:pPr lvl="2" marL="648000" indent="-212040">
+            <a:pPr lvl="2" marL="648000" indent="-211680">
               <a:lnSpc>
                 <a:spcPct val="100000"/>
               </a:lnSpc>
@@ -31146,7 +30965,7 @@
             </a:endParaRPr>
           </a:p>
           <a:p>
-            <a:pPr lvl="2" marL="648000" indent="-212040">
+            <a:pPr lvl="2" marL="648000" indent="-211680">
               <a:lnSpc>
                 <a:spcPct val="100000"/>
               </a:lnSpc>
@@ -31194,7 +31013,7 @@
             </a:endParaRPr>
           </a:p>
           <a:p>
-            <a:pPr marL="216000" indent="-212040">
+            <a:pPr marL="216000" indent="-211680">
               <a:lnSpc>
                 <a:spcPct val="100000"/>
               </a:lnSpc>
@@ -31309,7 +31128,7 @@
         <p:spPr>
           <a:xfrm>
             <a:off x="1188720" y="1139400"/>
-            <a:ext cx="7410600" cy="5032800"/>
+            <a:ext cx="7410240" cy="5032440"/>
           </a:xfrm>
           <a:prstGeom prst="rect">
             <a:avLst/>
@@ -31328,7 +31147,7 @@
         <p:spPr>
           <a:xfrm>
             <a:off x="457200" y="457200"/>
-            <a:ext cx="6397560" cy="302040"/>
+            <a:ext cx="6397200" cy="301680"/>
           </a:xfrm>
           <a:prstGeom prst="rect">
             <a:avLst/>
@@ -31426,7 +31245,7 @@
         <p:spPr>
           <a:xfrm>
             <a:off x="457200" y="457200"/>
-            <a:ext cx="6397560" cy="302040"/>
+            <a:ext cx="6397200" cy="301680"/>
           </a:xfrm>
           <a:prstGeom prst="rect">
             <a:avLst/>
@@ -31479,7 +31298,7 @@
         <p:spPr>
           <a:xfrm>
             <a:off x="333000" y="901800"/>
-            <a:ext cx="7801920" cy="5861520"/>
+            <a:ext cx="7801560" cy="5861160"/>
           </a:xfrm>
           <a:prstGeom prst="rect">
             <a:avLst/>
@@ -31551,7 +31370,7 @@
         <p:spPr>
           <a:xfrm>
             <a:off x="640080" y="1188720"/>
-            <a:ext cx="4625640" cy="2253960"/>
+            <a:ext cx="4625280" cy="2253600"/>
           </a:xfrm>
           <a:prstGeom prst="rect">
             <a:avLst/>
@@ -31619,7 +31438,7 @@
         <p:spPr>
           <a:xfrm>
             <a:off x="365760" y="1544760"/>
-            <a:ext cx="8562240" cy="280080"/>
+            <a:ext cx="8561880" cy="279720"/>
           </a:xfrm>
           <a:prstGeom prst="rect">
             <a:avLst/>
@@ -31737,7 +31556,7 @@
         <p:spPr>
           <a:xfrm>
             <a:off x="365760" y="274320"/>
-            <a:ext cx="6396840" cy="450720"/>
+            <a:ext cx="6396480" cy="450360"/>
           </a:xfrm>
           <a:prstGeom prst="rect">
             <a:avLst/>
@@ -31763,7 +31582,7 @@
         <p:spPr>
           <a:xfrm>
             <a:off x="182880" y="1005840"/>
-            <a:ext cx="8134200" cy="3212640"/>
+            <a:ext cx="8133840" cy="3212280"/>
           </a:xfrm>
           <a:prstGeom prst="rect">
             <a:avLst/>
@@ -31793,7 +31612,7 @@
         <p:spPr>
           <a:xfrm>
             <a:off x="5669280" y="67680"/>
-            <a:ext cx="3312720" cy="5875560"/>
+            <a:ext cx="3312360" cy="5875200"/>
           </a:xfrm>
           <a:prstGeom prst="rect">
             <a:avLst/>
@@ -31812,7 +31631,7 @@
         <p:spPr>
           <a:xfrm>
             <a:off x="457200" y="273600"/>
-            <a:ext cx="8228880" cy="549000"/>
+            <a:ext cx="8228520" cy="548640"/>
           </a:xfrm>
           <a:prstGeom prst="rect">
             <a:avLst/>
@@ -31861,7 +31680,7 @@
         <p:spPr>
           <a:xfrm>
             <a:off x="457200" y="845280"/>
-            <a:ext cx="5668920" cy="5372280"/>
+            <a:ext cx="5668560" cy="5371920"/>
           </a:xfrm>
           <a:prstGeom prst="rect">
             <a:avLst/>
@@ -31880,7 +31699,7 @@
         <p:txBody>
           <a:bodyPr lIns="0" rIns="0" tIns="0" bIns="0" anchor="ctr"/>
           <a:p>
-            <a:pPr marL="216000" indent="-215640">
+            <a:pPr marL="216000" indent="-215280">
               <a:lnSpc>
                 <a:spcPct val="100000"/>
               </a:lnSpc>
@@ -31912,7 +31731,7 @@
             </a:endParaRPr>
           </a:p>
           <a:p>
-            <a:pPr marL="216000" indent="-215640">
+            <a:pPr marL="216000" indent="-215280">
               <a:lnSpc>
                 <a:spcPct val="100000"/>
               </a:lnSpc>
@@ -31944,7 +31763,7 @@
             </a:endParaRPr>
           </a:p>
           <a:p>
-            <a:pPr marL="216000" indent="-215640">
+            <a:pPr marL="216000" indent="-215280">
               <a:lnSpc>
                 <a:spcPct val="100000"/>
               </a:lnSpc>
@@ -31976,7 +31795,7 @@
             </a:endParaRPr>
           </a:p>
           <a:p>
-            <a:pPr marL="216000" indent="-215640">
+            <a:pPr marL="216000" indent="-215280">
               <a:lnSpc>
                 <a:spcPct val="100000"/>
               </a:lnSpc>
@@ -32008,7 +31827,7 @@
             </a:endParaRPr>
           </a:p>
           <a:p>
-            <a:pPr marL="216000" indent="-215640">
+            <a:pPr marL="216000" indent="-215280">
               <a:lnSpc>
                 <a:spcPct val="100000"/>
               </a:lnSpc>
@@ -32040,7 +31859,7 @@
             </a:endParaRPr>
           </a:p>
           <a:p>
-            <a:pPr marL="216000" indent="-215640">
+            <a:pPr marL="216000" indent="-215280">
               <a:lnSpc>
                 <a:spcPct val="100000"/>
               </a:lnSpc>
@@ -32072,7 +31891,7 @@
             </a:endParaRPr>
           </a:p>
           <a:p>
-            <a:pPr marL="216000" indent="-215640">
+            <a:pPr marL="216000" indent="-215280">
               <a:lnSpc>
                 <a:spcPct val="100000"/>
               </a:lnSpc>
@@ -32104,7 +31923,7 @@
             </a:endParaRPr>
           </a:p>
           <a:p>
-            <a:pPr marL="216000" indent="-215640">
+            <a:pPr marL="216000" indent="-215280">
               <a:lnSpc>
                 <a:spcPct val="100000"/>
               </a:lnSpc>
@@ -32146,7 +31965,7 @@
             </a:endParaRPr>
           </a:p>
           <a:p>
-            <a:pPr marL="216000" indent="-215640">
+            <a:pPr marL="216000" indent="-215280">
               <a:lnSpc>
                 <a:spcPct val="100000"/>
               </a:lnSpc>
@@ -32188,7 +32007,7 @@
             </a:endParaRPr>
           </a:p>
           <a:p>
-            <a:pPr marL="216000" indent="-215640">
+            <a:pPr marL="216000" indent="-215280">
               <a:lnSpc>
                 <a:spcPct val="100000"/>
               </a:lnSpc>
@@ -32220,7 +32039,7 @@
             </a:endParaRPr>
           </a:p>
           <a:p>
-            <a:pPr marL="216000" indent="-215640">
+            <a:pPr marL="216000" indent="-215280">
               <a:lnSpc>
                 <a:spcPct val="100000"/>
               </a:lnSpc>
@@ -32262,7 +32081,7 @@
             </a:endParaRPr>
           </a:p>
           <a:p>
-            <a:pPr lvl="1" marL="432000" indent="-215640">
+            <a:pPr lvl="1" marL="432000" indent="-215280">
               <a:lnSpc>
                 <a:spcPct val="100000"/>
               </a:lnSpc>
@@ -32294,7 +32113,7 @@
             </a:endParaRPr>
           </a:p>
           <a:p>
-            <a:pPr marL="216000" indent="-215640">
+            <a:pPr marL="216000" indent="-215280">
               <a:lnSpc>
                 <a:spcPct val="100000"/>
               </a:lnSpc>
@@ -32336,7 +32155,7 @@
             </a:endParaRPr>
           </a:p>
           <a:p>
-            <a:pPr lvl="1" marL="432000" indent="-215640">
+            <a:pPr lvl="1" marL="432000" indent="-215280">
               <a:lnSpc>
                 <a:spcPct val="100000"/>
               </a:lnSpc>
@@ -32453,7 +32272,7 @@
         <p:spPr>
           <a:xfrm>
             <a:off x="457200" y="273600"/>
-            <a:ext cx="8228880" cy="1144440"/>
+            <a:ext cx="8228520" cy="1144080"/>
           </a:xfrm>
           <a:prstGeom prst="rect">
             <a:avLst/>
@@ -32483,6 +32302,7 @@
                   <a:srgbClr val="00549f"/>
                 </a:solidFill>
                 <a:latin typeface="Times New Roman"/>
+                <a:ea typeface="DejaVu Sans"/>
               </a:rPr>
               <a:t>Repair Dfg</a:t>
             </a:r>
@@ -32500,7 +32320,7 @@
         </p:nvGraphicFramePr>
         <p:xfrm>
           <a:off x="6417000" y="1072080"/>
-          <a:ext cx="2700000" cy="2323080"/>
+          <a:ext cx="2700000" cy="2258640"/>
         </p:xfrm>
         <a:graphic>
           <a:graphicData uri="http://schemas.openxmlformats.org/drawingml/2006/table">
@@ -32512,7 +32332,7 @@
                 <a:gridCol w="771120"/>
                 <a:gridCol w="801360"/>
               </a:tblGrid>
-              <a:tr h="378360">
+              <a:tr h="433080">
                 <a:tc>
                   <a:txBody>
                     <a:bodyPr lIns="90000" rIns="90000"/>
@@ -32678,7 +32498,7 @@
                   </a:tcPr>
                 </a:tc>
               </a:tr>
-              <a:tr h="235080">
+              <a:tr h="262440">
                 <a:tc>
                   <a:txBody>
                     <a:bodyPr lIns="90000" rIns="90000"/>
@@ -32864,7 +32684,7 @@
                   </a:tcPr>
                 </a:tc>
               </a:tr>
-              <a:tr h="235080">
+              <a:tr h="262440">
                 <a:tc>
                   <a:txBody>
                     <a:bodyPr lIns="90000" rIns="90000"/>
@@ -33050,7 +32870,7 @@
                   </a:tcPr>
                 </a:tc>
               </a:tr>
-              <a:tr h="235080">
+              <a:tr h="262440">
                 <a:tc>
                   <a:txBody>
                     <a:bodyPr lIns="90000" rIns="90000"/>
@@ -33216,7 +33036,7 @@
                   </a:tcPr>
                 </a:tc>
               </a:tr>
-              <a:tr h="235080">
+              <a:tr h="262440">
                 <a:tc>
                   <a:txBody>
                     <a:bodyPr lIns="90000" rIns="90000"/>
@@ -33402,7 +33222,7 @@
                   </a:tcPr>
                 </a:tc>
               </a:tr>
-              <a:tr h="235080">
+              <a:tr h="262440">
                 <a:tc>
                   <a:txBody>
                     <a:bodyPr lIns="90000" rIns="90000"/>
@@ -33568,7 +33388,7 @@
                   </a:tcPr>
                 </a:tc>
               </a:tr>
-              <a:tr h="235080">
+              <a:tr h="262440">
                 <a:tc>
                   <a:txBody>
                     <a:bodyPr lIns="90000" rIns="90000"/>
@@ -33754,7 +33574,7 @@
                   </a:tcPr>
                 </a:tc>
               </a:tr>
-              <a:tr h="235080">
+              <a:tr h="262440">
                 <a:tc>
                   <a:txBody>
                     <a:bodyPr lIns="90000" rIns="90000"/>
@@ -33940,7 +33760,7 @@
                   </a:tcPr>
                 </a:tc>
               </a:tr>
-              <a:tr h="235080">
+              <a:tr h="262440">
                 <a:tc>
                   <a:txBody>
                     <a:bodyPr lIns="90000" rIns="90000"/>
@@ -34139,7 +33959,7 @@
         <p:spPr>
           <a:xfrm>
             <a:off x="6492240" y="4206240"/>
-            <a:ext cx="180360" cy="304920"/>
+            <a:ext cx="180000" cy="304560"/>
           </a:xfrm>
           <a:prstGeom prst="rect">
             <a:avLst/>
@@ -34165,7 +33985,7 @@
         <p:spPr>
           <a:xfrm>
             <a:off x="8961120" y="1737360"/>
-            <a:ext cx="180360" cy="304920"/>
+            <a:ext cx="180000" cy="304560"/>
           </a:xfrm>
           <a:prstGeom prst="rect">
             <a:avLst/>
@@ -34191,7 +34011,7 @@
         <p:spPr>
           <a:xfrm>
             <a:off x="182880" y="954720"/>
-            <a:ext cx="6839280" cy="5171400"/>
+            <a:ext cx="6838920" cy="5171040"/>
           </a:xfrm>
           <a:prstGeom prst="rect">
             <a:avLst/>
@@ -34210,7 +34030,7 @@
         <p:txBody>
           <a:bodyPr lIns="0" rIns="0" tIns="0" bIns="0"/>
           <a:p>
-            <a:pPr marL="216000" indent="-215640">
+            <a:pPr marL="216000" indent="-215280">
               <a:lnSpc>
                 <a:spcPct val="100000"/>
               </a:lnSpc>
@@ -34229,13 +34049,21 @@
             </a:pPr>
             <a:r>
               <a:rPr b="1" lang="en-US" sz="2000" spc="-1" strike="noStrike">
+                <a:solidFill>
+                  <a:srgbClr val="000000"/>
+                </a:solidFill>
                 <a:latin typeface="Arial"/>
+                <a:ea typeface="DejaVu Sans"/>
               </a:rPr>
               <a:t>Case 0&amp;1::</a:t>
             </a:r>
             <a:r>
               <a:rPr b="1" lang="en-US" sz="1600" spc="-1" strike="noStrike">
+                <a:solidFill>
+                  <a:srgbClr val="000000"/>
+                </a:solidFill>
                 <a:latin typeface="Arial"/>
+                <a:ea typeface="DejaVu Sans"/>
               </a:rPr>
               <a:t> </a:t>
             </a:r>
@@ -34244,7 +34072,7 @@
             </a:endParaRPr>
           </a:p>
           <a:p>
-            <a:pPr marL="216000" indent="-215640">
+            <a:pPr marL="216000" indent="-215280">
               <a:lnSpc>
                 <a:spcPct val="100000"/>
               </a:lnSpc>
@@ -34263,7 +34091,11 @@
             </a:pPr>
             <a:r>
               <a:rPr b="0" lang="en-US" sz="1500" spc="-1" strike="noStrike">
+                <a:solidFill>
+                  <a:srgbClr val="000000"/>
+                </a:solidFill>
                 <a:latin typeface="Arial"/>
+                <a:ea typeface="DejaVu Sans"/>
               </a:rPr>
               <a:t>no need to consider</a:t>
             </a:r>
@@ -34272,7 +34104,7 @@
             </a:endParaRPr>
           </a:p>
           <a:p>
-            <a:pPr marL="216000" indent="-215640">
+            <a:pPr marL="216000" indent="-215280">
               <a:lnSpc>
                 <a:spcPct val="100000"/>
               </a:lnSpc>
@@ -34291,13 +34123,21 @@
             </a:pPr>
             <a:r>
               <a:rPr b="1" lang="en-US" sz="2000" spc="-1" strike="noStrike">
+                <a:solidFill>
+                  <a:srgbClr val="000000"/>
+                </a:solidFill>
                 <a:latin typeface="Arial"/>
+                <a:ea typeface="DejaVu Sans"/>
               </a:rPr>
               <a:t>Case 2,3,4::</a:t>
             </a:r>
             <a:r>
               <a:rPr b="0" lang="en-US" sz="2000" spc="-1" strike="noStrike">
+                <a:solidFill>
+                  <a:srgbClr val="000000"/>
+                </a:solidFill>
                 <a:latin typeface="Arial"/>
+                <a:ea typeface="DejaVu Sans"/>
               </a:rPr>
               <a:t> </a:t>
             </a:r>
@@ -34306,7 +34146,7 @@
             </a:endParaRPr>
           </a:p>
           <a:p>
-            <a:pPr marL="216000" indent="-215640">
+            <a:pPr marL="216000" indent="-215280">
               <a:lnSpc>
                 <a:spcPct val="100000"/>
               </a:lnSpc>
@@ -34325,7 +34165,11 @@
             </a:pPr>
             <a:r>
               <a:rPr b="0" lang="en-US" sz="1600" spc="-1" strike="noStrike">
+                <a:solidFill>
+                  <a:srgbClr val="000000"/>
+                </a:solidFill>
                 <a:latin typeface="Arial"/>
+                <a:ea typeface="DejaVu Sans"/>
               </a:rPr>
               <a:t>add them into the repaired dfg</a:t>
             </a:r>
@@ -34334,7 +34178,7 @@
             </a:endParaRPr>
           </a:p>
           <a:p>
-            <a:pPr marL="216000" indent="-215640">
+            <a:pPr marL="216000" indent="-215280">
               <a:lnSpc>
                 <a:spcPct val="100000"/>
               </a:lnSpc>
@@ -34353,7 +34197,11 @@
             </a:pPr>
             <a:r>
               <a:rPr b="1" lang="en-US" sz="2000" spc="-1" strike="noStrike">
+                <a:solidFill>
+                  <a:srgbClr val="000000"/>
+                </a:solidFill>
                 <a:latin typeface="Arial"/>
+                <a:ea typeface="DejaVu Sans"/>
               </a:rPr>
               <a:t>Case 5,6,7::</a:t>
             </a:r>
@@ -34362,7 +34210,7 @@
             </a:endParaRPr>
           </a:p>
           <a:p>
-            <a:pPr marL="216000" indent="-215640">
+            <a:pPr marL="216000" indent="-215280">
               <a:lnSpc>
                 <a:spcPct val="100000"/>
               </a:lnSpc>
@@ -34381,7 +34229,11 @@
             </a:pPr>
             <a:r>
               <a:rPr b="0" lang="en-US" sz="1600" spc="-1" strike="noStrike">
+                <a:solidFill>
+                  <a:srgbClr val="000000"/>
+                </a:solidFill>
                 <a:latin typeface="Arial"/>
+                <a:ea typeface="DejaVu Sans"/>
               </a:rPr>
               <a:t>consider the distribution of pos, neg and existing dfg</a:t>
             </a:r>
@@ -34390,7 +34242,7 @@
             </a:endParaRPr>
           </a:p>
           <a:p>
-            <a:pPr lvl="1" marL="432000" indent="-215640">
+            <a:pPr lvl="1" marL="432000" indent="-215280">
               <a:lnSpc>
                 <a:spcPct val="100000"/>
               </a:lnSpc>
@@ -34409,7 +34261,11 @@
             </a:pPr>
             <a:r>
               <a:rPr b="0" lang="en-US" sz="1600" spc="-1" strike="noStrike">
+                <a:solidFill>
+                  <a:srgbClr val="000000"/>
+                </a:solidFill>
                 <a:latin typeface="Arial"/>
+                <a:ea typeface="DejaVu Sans"/>
               </a:rPr>
               <a:t>#(pos + existing) &gt; #neg :: keep df</a:t>
             </a:r>
@@ -34418,7 +34274,7 @@
             </a:endParaRPr>
           </a:p>
           <a:p>
-            <a:pPr lvl="1" marL="432000" indent="-215640">
+            <a:pPr lvl="1" marL="432000" indent="-215280">
               <a:lnSpc>
                 <a:spcPct val="100000"/>
               </a:lnSpc>
@@ -34437,7 +34293,11 @@
             </a:pPr>
             <a:r>
               <a:rPr b="0" lang="en-US" sz="1600" spc="-1" strike="noStrike">
+                <a:solidFill>
+                  <a:srgbClr val="000000"/>
+                </a:solidFill>
                 <a:latin typeface="Arial"/>
+                <a:ea typeface="DejaVu Sans"/>
               </a:rPr>
               <a:t>#(pos + existing) &lt; #neg :: remove df</a:t>
             </a:r>
@@ -34462,7 +34322,7 @@
             </a:endParaRPr>
           </a:p>
           <a:p>
-            <a:pPr marL="216000" indent="-215640">
+            <a:pPr marL="216000" indent="-215280">
               <a:lnSpc>
                 <a:spcPct val="100000"/>
               </a:lnSpc>
@@ -34481,7 +34341,11 @@
             </a:pPr>
             <a:r>
               <a:rPr b="0" lang="en-US" sz="1600" spc="-1" strike="noStrike">
+                <a:solidFill>
+                  <a:srgbClr val="000000"/>
+                </a:solidFill>
                 <a:latin typeface="Arial"/>
+                <a:ea typeface="DejaVu Sans"/>
               </a:rPr>
               <a:t>Assign different weights to existing, pos and neg dfg to address different perspectives</a:t>
             </a:r>
@@ -34490,7 +34354,7 @@
             </a:endParaRPr>
           </a:p>
           <a:p>
-            <a:pPr lvl="1" marL="432000" indent="-215640">
+            <a:pPr lvl="1" marL="432000" indent="-215280">
               <a:lnSpc>
                 <a:spcPct val="100000"/>
               </a:lnSpc>
@@ -34509,7 +34373,11 @@
             </a:pPr>
             <a:r>
               <a:rPr b="0" lang="en-US" sz="1200" spc="-1" strike="noStrike">
+                <a:solidFill>
+                  <a:srgbClr val="000000"/>
+                </a:solidFill>
                 <a:latin typeface="Arial"/>
+                <a:ea typeface="DejaVu Sans"/>
               </a:rPr>
               <a:t>Eg 1. keep original model  </a:t>
             </a:r>
@@ -34518,7 +34386,7 @@
             </a:endParaRPr>
           </a:p>
           <a:p>
-            <a:pPr lvl="2" marL="648000" indent="-215640">
+            <a:pPr lvl="2" marL="648000" indent="-215280">
               <a:lnSpc>
                 <a:spcPct val="100000"/>
               </a:lnSpc>
@@ -34537,7 +34405,11 @@
             </a:pPr>
             <a:r>
               <a:rPr b="0" lang="en-US" sz="1200" spc="-1" strike="noStrike">
+                <a:solidFill>
+                  <a:srgbClr val="000000"/>
+                </a:solidFill>
                 <a:latin typeface="Arial"/>
+                <a:ea typeface="DejaVu Sans"/>
               </a:rPr>
               <a:t>Weight(existing)=1.0, Weight(Pos)=0.0,Weight(Neg)=0.0</a:t>
             </a:r>
@@ -34546,7 +34418,7 @@
             </a:endParaRPr>
           </a:p>
           <a:p>
-            <a:pPr lvl="1" marL="432000" indent="-215640">
+            <a:pPr lvl="1" marL="432000" indent="-215280">
               <a:lnSpc>
                 <a:spcPct val="100000"/>
               </a:lnSpc>
@@ -34565,7 +34437,11 @@
             </a:pPr>
             <a:r>
               <a:rPr b="0" lang="en-US" sz="1200" spc="-1" strike="noStrike">
+                <a:solidFill>
+                  <a:srgbClr val="000000"/>
+                </a:solidFill>
                 <a:latin typeface="Arial"/>
+                <a:ea typeface="DejaVu Sans"/>
               </a:rPr>
               <a:t>Eg 2. generate rediscovery model</a:t>
             </a:r>
@@ -34574,7 +34450,7 @@
             </a:endParaRPr>
           </a:p>
           <a:p>
-            <a:pPr lvl="2" marL="648000" indent="-215640">
+            <a:pPr lvl="2" marL="648000" indent="-215280">
               <a:lnSpc>
                 <a:spcPct val="100000"/>
               </a:lnSpc>
@@ -34593,7 +34469,11 @@
             </a:pPr>
             <a:r>
               <a:rPr b="0" lang="en-US" sz="1200" spc="-1" strike="noStrike">
+                <a:solidFill>
+                  <a:srgbClr val="000000"/>
+                </a:solidFill>
                 <a:latin typeface="Arial"/>
+                <a:ea typeface="DejaVu Sans"/>
               </a:rPr>
               <a:t>Weight(existing)=0.0, Weight(Pos)=1.0,Weight(Neg)=0.0</a:t>
             </a:r>
@@ -34602,7 +34482,7 @@
             </a:endParaRPr>
           </a:p>
           <a:p>
-            <a:pPr lvl="1" marL="432000" indent="-215640">
+            <a:pPr lvl="1" marL="432000" indent="-215280">
               <a:lnSpc>
                 <a:spcPct val="100000"/>
               </a:lnSpc>
@@ -34621,7 +34501,11 @@
             </a:pPr>
             <a:r>
               <a:rPr b="0" lang="en-US" sz="1200" spc="-1" strike="noStrike">
+                <a:solidFill>
+                  <a:srgbClr val="000000"/>
+                </a:solidFill>
                 <a:latin typeface="Arial"/>
+                <a:ea typeface="DejaVu Sans"/>
               </a:rPr>
               <a:t>Eg 3. address negative impact</a:t>
             </a:r>
@@ -34630,7 +34514,7 @@
             </a:endParaRPr>
           </a:p>
           <a:p>
-            <a:pPr lvl="2" marL="648000" indent="-215640">
+            <a:pPr lvl="2" marL="648000" indent="-215280">
               <a:lnSpc>
                 <a:spcPct val="100000"/>
               </a:lnSpc>
@@ -34649,7 +34533,11 @@
             </a:pPr>
             <a:r>
               <a:rPr b="0" lang="en-US" sz="1200" spc="-1" strike="noStrike">
+                <a:solidFill>
+                  <a:srgbClr val="000000"/>
+                </a:solidFill>
                 <a:latin typeface="Arial"/>
+                <a:ea typeface="DejaVu Sans"/>
               </a:rPr>
               <a:t>Weight(existing)=0.5, Weight(Pos)=0.5,Weight(Neg)=1.0</a:t>
             </a:r>
@@ -34727,7 +34615,7 @@
         <p:spPr>
           <a:xfrm>
             <a:off x="457200" y="273600"/>
-            <a:ext cx="8228880" cy="549000"/>
+            <a:ext cx="8228520" cy="548640"/>
           </a:xfrm>
           <a:prstGeom prst="rect">
             <a:avLst/>
@@ -34816,7 +34704,7 @@
         <p:spPr>
           <a:xfrm>
             <a:off x="366120" y="1005840"/>
-            <a:ext cx="8228880" cy="4480200"/>
+            <a:ext cx="8228520" cy="4479840"/>
           </a:xfrm>
           <a:prstGeom prst="rect">
             <a:avLst/>
@@ -34891,7 +34779,7 @@
         <p:spPr>
           <a:xfrm>
             <a:off x="365760" y="274320"/>
-            <a:ext cx="8228880" cy="639720"/>
+            <a:ext cx="8228520" cy="639360"/>
           </a:xfrm>
           <a:prstGeom prst="rect">
             <a:avLst/>
@@ -34921,6 +34809,7 @@
                   <a:srgbClr val="00549f"/>
                 </a:solidFill>
                 <a:latin typeface="Times New Roman"/>
+                <a:ea typeface="DejaVu Sans"/>
               </a:rPr>
               <a:t>Dfg Method Evaluation </a:t>
             </a:r>
@@ -34939,7 +34828,7 @@
         <p:spPr>
           <a:xfrm>
             <a:off x="182880" y="960480"/>
-            <a:ext cx="8228880" cy="3976920"/>
+            <a:ext cx="8228520" cy="3976560"/>
           </a:xfrm>
           <a:prstGeom prst="rect">
             <a:avLst/>
@@ -34960,7 +34849,7 @@
             <a:normAutofit/>
           </a:bodyPr>
           <a:p>
-            <a:pPr marL="432000" indent="-323640">
+            <a:pPr marL="432000" indent="-323280">
               <a:lnSpc>
                 <a:spcPct val="100000"/>
               </a:lnSpc>
@@ -34976,7 +34865,11 @@
             </a:pPr>
             <a:r>
               <a:rPr b="0" lang="en-US" sz="3200" spc="-1" strike="noStrike">
+                <a:solidFill>
+                  <a:srgbClr val="000000"/>
+                </a:solidFill>
                 <a:latin typeface="Arial"/>
+                <a:ea typeface="DejaVu Sans"/>
               </a:rPr>
               <a:t>Point out some situations which have </a:t>
             </a:r>
@@ -35044,7 +34937,7 @@
         <p:spPr>
           <a:xfrm>
             <a:off x="365760" y="274320"/>
-            <a:ext cx="6396840" cy="450720"/>
+            <a:ext cx="6396480" cy="450360"/>
           </a:xfrm>
           <a:prstGeom prst="rect">
             <a:avLst/>
@@ -35093,7 +34986,7 @@
         <p:spPr>
           <a:xfrm>
             <a:off x="457200" y="1005840"/>
-            <a:ext cx="8134200" cy="5663520"/>
+            <a:ext cx="8133840" cy="5663160"/>
           </a:xfrm>
           <a:prstGeom prst="rect">
             <a:avLst/>
@@ -35112,7 +35005,7 @@
         <p:txBody>
           <a:bodyPr lIns="90000" rIns="90000" tIns="45000" bIns="45000"/>
           <a:p>
-            <a:pPr marL="216000" indent="-212040">
+            <a:pPr marL="216000" indent="-211680">
               <a:lnSpc>
                 <a:spcPct val="100000"/>
               </a:lnSpc>
@@ -35144,7 +35037,7 @@
             </a:endParaRPr>
           </a:p>
           <a:p>
-            <a:pPr lvl="2" marL="648000" indent="-212040">
+            <a:pPr lvl="2" marL="648000" indent="-211680">
               <a:lnSpc>
                 <a:spcPct val="100000"/>
               </a:lnSpc>
@@ -35186,7 +35079,7 @@
             </a:endParaRPr>
           </a:p>
           <a:p>
-            <a:pPr lvl="2" marL="648000" indent="-212040">
+            <a:pPr lvl="2" marL="648000" indent="-211680">
               <a:lnSpc>
                 <a:spcPct val="100000"/>
               </a:lnSpc>
@@ -35228,7 +35121,7 @@
             </a:endParaRPr>
           </a:p>
           <a:p>
-            <a:pPr marL="216000" indent="-212040">
+            <a:pPr marL="216000" indent="-211680">
               <a:lnSpc>
                 <a:spcPct val="100000"/>
               </a:lnSpc>
@@ -35260,7 +35153,7 @@
             </a:endParaRPr>
           </a:p>
           <a:p>
-            <a:pPr lvl="2" marL="648000" indent="-212040">
+            <a:pPr lvl="2" marL="648000" indent="-211680">
               <a:lnSpc>
                 <a:spcPct val="100000"/>
               </a:lnSpc>
@@ -35292,7 +35185,7 @@
             </a:endParaRPr>
           </a:p>
           <a:p>
-            <a:pPr lvl="2" marL="648000" indent="-212040">
+            <a:pPr lvl="2" marL="648000" indent="-211680">
               <a:lnSpc>
                 <a:spcPct val="100000"/>
               </a:lnSpc>
@@ -35324,7 +35217,7 @@
             </a:endParaRPr>
           </a:p>
           <a:p>
-            <a:pPr lvl="2" marL="648000" indent="-212040">
+            <a:pPr lvl="2" marL="648000" indent="-211680">
               <a:lnSpc>
                 <a:spcPct val="100000"/>
               </a:lnSpc>
@@ -35356,7 +35249,7 @@
             </a:endParaRPr>
           </a:p>
           <a:p>
-            <a:pPr marL="216000" indent="-212040">
+            <a:pPr marL="216000" indent="-211680">
               <a:lnSpc>
                 <a:spcPct val="100000"/>
               </a:lnSpc>
@@ -35388,7 +35281,7 @@
             </a:endParaRPr>
           </a:p>
           <a:p>
-            <a:pPr lvl="2" marL="648000" indent="-212040">
+            <a:pPr lvl="2" marL="648000" indent="-211680">
               <a:lnSpc>
                 <a:spcPct val="100000"/>
               </a:lnSpc>
@@ -35420,7 +35313,7 @@
             </a:endParaRPr>
           </a:p>
           <a:p>
-            <a:pPr lvl="2" marL="648000" indent="-212040">
+            <a:pPr lvl="2" marL="648000" indent="-211680">
               <a:lnSpc>
                 <a:spcPct val="100000"/>
               </a:lnSpc>
@@ -35531,7 +35424,7 @@
         <p:spPr>
           <a:xfrm>
             <a:off x="365760" y="182880"/>
-            <a:ext cx="8046360" cy="639720"/>
+            <a:ext cx="8046000" cy="639360"/>
           </a:xfrm>
           <a:prstGeom prst="rect">
             <a:avLst/>
@@ -35557,7 +35450,11 @@
             </a:pPr>
             <a:r>
               <a:rPr b="0" lang="en-US" sz="4400" spc="-1" strike="noStrike">
+                <a:solidFill>
+                  <a:srgbClr val="000000"/>
+                </a:solidFill>
                 <a:latin typeface="Arial"/>
+                <a:ea typeface="DejaVu Sans"/>
               </a:rPr>
               <a:t>Baseline </a:t>
             </a:r>
@@ -35576,7 +35473,7 @@
         <p:spPr>
           <a:xfrm>
             <a:off x="457200" y="1188720"/>
-            <a:ext cx="8228880" cy="4392720"/>
+            <a:ext cx="8228520" cy="4392360"/>
           </a:xfrm>
           <a:prstGeom prst="rect">
             <a:avLst/>
@@ -35597,7 +35494,7 @@
             <a:normAutofit/>
           </a:bodyPr>
           <a:p>
-            <a:pPr marL="432000" indent="-323640">
+            <a:pPr marL="432000" indent="-323280">
               <a:lnSpc>
                 <a:spcPct val="100000"/>
               </a:lnSpc>
@@ -35613,7 +35510,11 @@
             </a:pPr>
             <a:r>
               <a:rPr b="0" lang="en-US" sz="3200" spc="-1" strike="noStrike">
+                <a:solidFill>
+                  <a:srgbClr val="000000"/>
+                </a:solidFill>
                 <a:latin typeface="Arial"/>
+                <a:ea typeface="DejaVu Sans"/>
               </a:rPr>
               <a:t>What I want to report?? </a:t>
             </a:r>
@@ -35622,7 +35523,7 @@
             </a:endParaRPr>
           </a:p>
           <a:p>
-            <a:pPr marL="432000" indent="-323640">
+            <a:pPr marL="432000" indent="-323280">
               <a:lnSpc>
                 <a:spcPct val="100000"/>
               </a:lnSpc>
@@ -35638,7 +35539,11 @@
             </a:pPr>
             <a:r>
               <a:rPr b="0" lang="en-US" sz="3200" spc="-1" strike="noStrike">
+                <a:solidFill>
+                  <a:srgbClr val="000000"/>
+                </a:solidFill>
                 <a:latin typeface="Arial"/>
+                <a:ea typeface="DejaVu Sans"/>
               </a:rPr>
               <a:t>--baseline but only simple baselines </a:t>
             </a:r>
@@ -35647,7 +35552,7 @@
             </a:endParaRPr>
           </a:p>
           <a:p>
-            <a:pPr marL="432000" indent="-323640">
+            <a:pPr marL="432000" indent="-323280">
               <a:lnSpc>
                 <a:spcPct val="100000"/>
               </a:lnSpc>
@@ -35663,13 +35568,21 @@
             </a:pPr>
             <a:r>
               <a:rPr b="0" lang="en-US" sz="3200" spc="-1" strike="noStrike">
+                <a:solidFill>
+                  <a:srgbClr val="000000"/>
+                </a:solidFill>
                 <a:latin typeface="Arial"/>
+                <a:ea typeface="DejaVu Sans"/>
               </a:rPr>
               <a:t>– </a:t>
             </a:r>
             <a:r>
               <a:rPr b="0" lang="en-US" sz="3200" spc="-1" strike="noStrike">
+                <a:solidFill>
+                  <a:srgbClr val="000000"/>
+                </a:solidFill>
                 <a:latin typeface="Arial"/>
+                <a:ea typeface="DejaVu Sans"/>
               </a:rPr>
               <a:t>Dfg method, so I can draw sth about it</a:t>
             </a:r>
